--- a/docs/images.pptx
+++ b/docs/images.pptx
@@ -7,6 +7,7 @@
   <p:sldIdLst>
     <p:sldId id="257" r:id="rId2"/>
     <p:sldId id="258" r:id="rId3"/>
+    <p:sldId id="259" r:id="rId4"/>
   </p:sldIdLst>
   <p:sldSz cx="12192000" cy="6858000"/>
   <p:notesSz cx="6858000" cy="9144000"/>
@@ -5555,6 +5556,1126 @@
 </p:sld>
 </file>
 
+<file path=ppt/slides/slide3.xml><?xml version="1.0" encoding="utf-8"?>
+<p:sld xmlns:a="http://schemas.openxmlformats.org/drawingml/2006/main" xmlns:r="http://schemas.openxmlformats.org/officeDocument/2006/relationships" xmlns:p="http://schemas.openxmlformats.org/presentationml/2006/main">
+  <p:cSld>
+    <p:spTree>
+      <p:nvGrpSpPr>
+        <p:cNvPr id="1" name=""/>
+        <p:cNvGrpSpPr/>
+        <p:nvPr/>
+      </p:nvGrpSpPr>
+      <p:grpSpPr>
+        <a:xfrm>
+          <a:off x="0" y="0"/>
+          <a:ext cx="0" cy="0"/>
+          <a:chOff x="0" y="0"/>
+          <a:chExt cx="0" cy="0"/>
+        </a:xfrm>
+      </p:grpSpPr>
+      <p:sp>
+        <p:nvSpPr>
+          <p:cNvPr id="29" name="Oval 28">
+            <a:extLst>
+              <a:ext uri="{FF2B5EF4-FFF2-40B4-BE49-F238E27FC236}">
+                <a16:creationId xmlns:a16="http://schemas.microsoft.com/office/drawing/2014/main" id="{AFA79617-060D-2742-8B19-2A1866E51AAB}"/>
+              </a:ext>
+            </a:extLst>
+          </p:cNvPr>
+          <p:cNvSpPr/>
+          <p:nvPr/>
+        </p:nvSpPr>
+        <p:spPr>
+          <a:xfrm>
+            <a:off x="4465285" y="445204"/>
+            <a:ext cx="478465" cy="478465"/>
+          </a:xfrm>
+          <a:prstGeom prst="ellipse">
+            <a:avLst/>
+          </a:prstGeom>
+          <a:noFill/>
+          <a:ln>
+            <a:solidFill>
+              <a:schemeClr val="tx1"/>
+            </a:solidFill>
+          </a:ln>
+        </p:spPr>
+        <p:style>
+          <a:lnRef idx="2">
+            <a:schemeClr val="accent1">
+              <a:shade val="50000"/>
+            </a:schemeClr>
+          </a:lnRef>
+          <a:fillRef idx="1">
+            <a:schemeClr val="accent1"/>
+          </a:fillRef>
+          <a:effectRef idx="0">
+            <a:schemeClr val="accent1"/>
+          </a:effectRef>
+          <a:fontRef idx="minor">
+            <a:schemeClr val="lt1"/>
+          </a:fontRef>
+        </p:style>
+        <p:txBody>
+          <a:bodyPr rtlCol="0" anchor="ctr"/>
+          <a:lstStyle/>
+          <a:p>
+            <a:pPr algn="ctr"/>
+            <a:endParaRPr lang="en-US"/>
+          </a:p>
+        </p:txBody>
+      </p:sp>
+      <p:sp>
+        <p:nvSpPr>
+          <p:cNvPr id="30" name="Oval 29">
+            <a:extLst>
+              <a:ext uri="{FF2B5EF4-FFF2-40B4-BE49-F238E27FC236}">
+                <a16:creationId xmlns:a16="http://schemas.microsoft.com/office/drawing/2014/main" id="{D428A571-F715-1D40-AC70-A512F6F319DF}"/>
+              </a:ext>
+            </a:extLst>
+          </p:cNvPr>
+          <p:cNvSpPr/>
+          <p:nvPr/>
+        </p:nvSpPr>
+        <p:spPr>
+          <a:xfrm>
+            <a:off x="4465285" y="1320618"/>
+            <a:ext cx="478465" cy="478465"/>
+          </a:xfrm>
+          <a:prstGeom prst="ellipse">
+            <a:avLst/>
+          </a:prstGeom>
+          <a:noFill/>
+          <a:ln>
+            <a:solidFill>
+              <a:schemeClr val="tx1"/>
+            </a:solidFill>
+          </a:ln>
+        </p:spPr>
+        <p:style>
+          <a:lnRef idx="2">
+            <a:schemeClr val="accent1">
+              <a:shade val="50000"/>
+            </a:schemeClr>
+          </a:lnRef>
+          <a:fillRef idx="1">
+            <a:schemeClr val="accent1"/>
+          </a:fillRef>
+          <a:effectRef idx="0">
+            <a:schemeClr val="accent1"/>
+          </a:effectRef>
+          <a:fontRef idx="minor">
+            <a:schemeClr val="lt1"/>
+          </a:fontRef>
+        </p:style>
+        <p:txBody>
+          <a:bodyPr rtlCol="0" anchor="ctr"/>
+          <a:lstStyle/>
+          <a:p>
+            <a:pPr algn="ctr"/>
+            <a:endParaRPr lang="en-US"/>
+          </a:p>
+        </p:txBody>
+      </p:sp>
+      <p:sp>
+        <p:nvSpPr>
+          <p:cNvPr id="31" name="Oval 30">
+            <a:extLst>
+              <a:ext uri="{FF2B5EF4-FFF2-40B4-BE49-F238E27FC236}">
+                <a16:creationId xmlns:a16="http://schemas.microsoft.com/office/drawing/2014/main" id="{AF5439CA-38C6-6449-8F2A-D96D213944BB}"/>
+              </a:ext>
+            </a:extLst>
+          </p:cNvPr>
+          <p:cNvSpPr/>
+          <p:nvPr/>
+        </p:nvSpPr>
+        <p:spPr>
+          <a:xfrm>
+            <a:off x="4465285" y="2222612"/>
+            <a:ext cx="478465" cy="478465"/>
+          </a:xfrm>
+          <a:prstGeom prst="ellipse">
+            <a:avLst/>
+          </a:prstGeom>
+          <a:noFill/>
+          <a:ln>
+            <a:solidFill>
+              <a:schemeClr val="tx1"/>
+            </a:solidFill>
+          </a:ln>
+        </p:spPr>
+        <p:style>
+          <a:lnRef idx="2">
+            <a:schemeClr val="accent1">
+              <a:shade val="50000"/>
+            </a:schemeClr>
+          </a:lnRef>
+          <a:fillRef idx="1">
+            <a:schemeClr val="accent1"/>
+          </a:fillRef>
+          <a:effectRef idx="0">
+            <a:schemeClr val="accent1"/>
+          </a:effectRef>
+          <a:fontRef idx="minor">
+            <a:schemeClr val="lt1"/>
+          </a:fontRef>
+        </p:style>
+        <p:txBody>
+          <a:bodyPr rtlCol="0" anchor="ctr"/>
+          <a:lstStyle/>
+          <a:p>
+            <a:pPr algn="ctr"/>
+            <a:endParaRPr lang="en-US"/>
+          </a:p>
+        </p:txBody>
+      </p:sp>
+      <p:sp>
+        <p:nvSpPr>
+          <p:cNvPr id="32" name="Oval 31">
+            <a:extLst>
+              <a:ext uri="{FF2B5EF4-FFF2-40B4-BE49-F238E27FC236}">
+                <a16:creationId xmlns:a16="http://schemas.microsoft.com/office/drawing/2014/main" id="{4AFE8735-6AE8-D649-9EFB-ABFD4F21569A}"/>
+              </a:ext>
+            </a:extLst>
+          </p:cNvPr>
+          <p:cNvSpPr/>
+          <p:nvPr/>
+        </p:nvSpPr>
+        <p:spPr>
+          <a:xfrm>
+            <a:off x="4465284" y="3967752"/>
+            <a:ext cx="478465" cy="478465"/>
+          </a:xfrm>
+          <a:prstGeom prst="ellipse">
+            <a:avLst/>
+          </a:prstGeom>
+          <a:noFill/>
+          <a:ln>
+            <a:solidFill>
+              <a:schemeClr val="tx1"/>
+            </a:solidFill>
+          </a:ln>
+        </p:spPr>
+        <p:style>
+          <a:lnRef idx="2">
+            <a:schemeClr val="accent1">
+              <a:shade val="50000"/>
+            </a:schemeClr>
+          </a:lnRef>
+          <a:fillRef idx="1">
+            <a:schemeClr val="accent1"/>
+          </a:fillRef>
+          <a:effectRef idx="0">
+            <a:schemeClr val="accent1"/>
+          </a:effectRef>
+          <a:fontRef idx="minor">
+            <a:schemeClr val="lt1"/>
+          </a:fontRef>
+        </p:style>
+        <p:txBody>
+          <a:bodyPr rtlCol="0" anchor="ctr"/>
+          <a:lstStyle/>
+          <a:p>
+            <a:pPr algn="ctr"/>
+            <a:endParaRPr lang="en-US"/>
+          </a:p>
+        </p:txBody>
+      </p:sp>
+      <p:sp>
+        <p:nvSpPr>
+          <p:cNvPr id="33" name="TextBox 32">
+            <a:extLst>
+              <a:ext uri="{FF2B5EF4-FFF2-40B4-BE49-F238E27FC236}">
+                <a16:creationId xmlns:a16="http://schemas.microsoft.com/office/drawing/2014/main" id="{3606461D-8417-C64F-BA1E-7C3C5459BC5A}"/>
+              </a:ext>
+            </a:extLst>
+          </p:cNvPr>
+          <p:cNvSpPr txBox="1"/>
+          <p:nvPr/>
+        </p:nvSpPr>
+        <p:spPr>
+          <a:xfrm>
+            <a:off x="5281671" y="455558"/>
+            <a:ext cx="2249334" cy="369332"/>
+          </a:xfrm>
+          <a:prstGeom prst="rect">
+            <a:avLst/>
+          </a:prstGeom>
+          <a:noFill/>
+        </p:spPr>
+        <p:txBody>
+          <a:bodyPr wrap="none" rtlCol="0">
+            <a:spAutoFit/>
+          </a:bodyPr>
+          <a:lstStyle/>
+          <a:p>
+            <a:r>
+              <a:rPr lang="en-US" dirty="0">
+                <a:latin typeface="Arial" panose="020B0604020202020204" pitchFamily="34" charset="0"/>
+                <a:cs typeface="Arial" panose="020B0604020202020204" pitchFamily="34" charset="0"/>
+              </a:rPr>
+              <a:t>Create words vector</a:t>
+            </a:r>
+          </a:p>
+        </p:txBody>
+      </p:sp>
+      <p:sp>
+        <p:nvSpPr>
+          <p:cNvPr id="34" name="TextBox 33">
+            <a:extLst>
+              <a:ext uri="{FF2B5EF4-FFF2-40B4-BE49-F238E27FC236}">
+                <a16:creationId xmlns:a16="http://schemas.microsoft.com/office/drawing/2014/main" id="{D89EEE05-A476-3F45-8768-4AD38524E83B}"/>
+              </a:ext>
+            </a:extLst>
+          </p:cNvPr>
+          <p:cNvSpPr txBox="1"/>
+          <p:nvPr/>
+        </p:nvSpPr>
+        <p:spPr>
+          <a:xfrm>
+            <a:off x="5789978" y="1177469"/>
+            <a:ext cx="1685077" cy="369332"/>
+          </a:xfrm>
+          <a:prstGeom prst="rect">
+            <a:avLst/>
+          </a:prstGeom>
+          <a:noFill/>
+        </p:spPr>
+        <p:txBody>
+          <a:bodyPr wrap="none" rtlCol="0">
+            <a:spAutoFit/>
+          </a:bodyPr>
+          <a:lstStyle/>
+          <a:p>
+            <a:r>
+              <a:rPr lang="en-US" dirty="0">
+                <a:latin typeface="Arial" panose="020B0604020202020204" pitchFamily="34" charset="0"/>
+                <a:cs typeface="Arial" panose="020B0604020202020204" pitchFamily="34" charset="0"/>
+              </a:rPr>
+              <a:t>Oh hey a loop!</a:t>
+            </a:r>
+          </a:p>
+        </p:txBody>
+      </p:sp>
+      <p:sp>
+        <p:nvSpPr>
+          <p:cNvPr id="35" name="TextBox 34">
+            <a:extLst>
+              <a:ext uri="{FF2B5EF4-FFF2-40B4-BE49-F238E27FC236}">
+                <a16:creationId xmlns:a16="http://schemas.microsoft.com/office/drawing/2014/main" id="{788AB037-F62B-F645-8C4E-48F1D10CF2F0}"/>
+              </a:ext>
+            </a:extLst>
+          </p:cNvPr>
+          <p:cNvSpPr txBox="1"/>
+          <p:nvPr/>
+        </p:nvSpPr>
+        <p:spPr>
+          <a:xfrm>
+            <a:off x="5779648" y="2283038"/>
+            <a:ext cx="3172663" cy="369332"/>
+          </a:xfrm>
+          <a:prstGeom prst="rect">
+            <a:avLst/>
+          </a:prstGeom>
+          <a:noFill/>
+        </p:spPr>
+        <p:txBody>
+          <a:bodyPr wrap="none" rtlCol="0">
+            <a:spAutoFit/>
+          </a:bodyPr>
+          <a:lstStyle/>
+          <a:p>
+            <a:r>
+              <a:rPr lang="en-US" dirty="0">
+                <a:latin typeface="Arial" panose="020B0604020202020204" pitchFamily="34" charset="0"/>
+                <a:cs typeface="Arial" panose="020B0604020202020204" pitchFamily="34" charset="0"/>
+              </a:rPr>
+              <a:t>Count the letters in </a:t>
+            </a:r>
+            <a:r>
+              <a:rPr lang="en-US" dirty="0" err="1">
+                <a:latin typeface="Arial" panose="020B0604020202020204" pitchFamily="34" charset="0"/>
+                <a:cs typeface="Arial" panose="020B0604020202020204" pitchFamily="34" charset="0"/>
+              </a:rPr>
+              <a:t>this_word</a:t>
+            </a:r>
+            <a:endParaRPr lang="en-US" dirty="0">
+              <a:latin typeface="Arial" panose="020B0604020202020204" pitchFamily="34" charset="0"/>
+              <a:cs typeface="Arial" panose="020B0604020202020204" pitchFamily="34" charset="0"/>
+            </a:endParaRPr>
+          </a:p>
+        </p:txBody>
+      </p:sp>
+      <p:sp>
+        <p:nvSpPr>
+          <p:cNvPr id="36" name="TextBox 35">
+            <a:extLst>
+              <a:ext uri="{FF2B5EF4-FFF2-40B4-BE49-F238E27FC236}">
+                <a16:creationId xmlns:a16="http://schemas.microsoft.com/office/drawing/2014/main" id="{91525458-0C1C-DD40-8CE6-A64C4796C8BA}"/>
+              </a:ext>
+            </a:extLst>
+          </p:cNvPr>
+          <p:cNvSpPr txBox="1"/>
+          <p:nvPr/>
+        </p:nvSpPr>
+        <p:spPr>
+          <a:xfrm>
+            <a:off x="5281671" y="5706470"/>
+            <a:ext cx="659155" cy="369332"/>
+          </a:xfrm>
+          <a:prstGeom prst="rect">
+            <a:avLst/>
+          </a:prstGeom>
+          <a:noFill/>
+        </p:spPr>
+        <p:txBody>
+          <a:bodyPr wrap="none" rtlCol="0">
+            <a:spAutoFit/>
+          </a:bodyPr>
+          <a:lstStyle/>
+          <a:p>
+            <a:r>
+              <a:rPr lang="en-US" dirty="0">
+                <a:latin typeface="Arial" panose="020B0604020202020204" pitchFamily="34" charset="0"/>
+                <a:cs typeface="Arial" panose="020B0604020202020204" pitchFamily="34" charset="0"/>
+              </a:rPr>
+              <a:t>Stop</a:t>
+            </a:r>
+          </a:p>
+        </p:txBody>
+      </p:sp>
+      <p:cxnSp>
+        <p:nvCxnSpPr>
+          <p:cNvPr id="37" name="Straight Arrow Connector 36">
+            <a:extLst>
+              <a:ext uri="{FF2B5EF4-FFF2-40B4-BE49-F238E27FC236}">
+                <a16:creationId xmlns:a16="http://schemas.microsoft.com/office/drawing/2014/main" id="{8FEA6428-3EF9-EB47-ADA8-EA6BA84F8931}"/>
+              </a:ext>
+            </a:extLst>
+          </p:cNvPr>
+          <p:cNvCxnSpPr>
+            <a:stCxn id="29" idx="4"/>
+            <a:endCxn id="30" idx="0"/>
+          </p:cNvCxnSpPr>
+          <p:nvPr/>
+        </p:nvCxnSpPr>
+        <p:spPr>
+          <a:xfrm>
+            <a:off x="4704518" y="923669"/>
+            <a:ext cx="0" cy="396949"/>
+          </a:xfrm>
+          <a:prstGeom prst="straightConnector1">
+            <a:avLst/>
+          </a:prstGeom>
+          <a:ln>
+            <a:solidFill>
+              <a:schemeClr val="tx1"/>
+            </a:solidFill>
+            <a:tailEnd type="triangle"/>
+          </a:ln>
+        </p:spPr>
+        <p:style>
+          <a:lnRef idx="1">
+            <a:schemeClr val="accent1"/>
+          </a:lnRef>
+          <a:fillRef idx="0">
+            <a:schemeClr val="accent1"/>
+          </a:fillRef>
+          <a:effectRef idx="0">
+            <a:schemeClr val="accent1"/>
+          </a:effectRef>
+          <a:fontRef idx="minor">
+            <a:schemeClr val="tx1"/>
+          </a:fontRef>
+        </p:style>
+      </p:cxnSp>
+      <p:cxnSp>
+        <p:nvCxnSpPr>
+          <p:cNvPr id="38" name="Straight Arrow Connector 37">
+            <a:extLst>
+              <a:ext uri="{FF2B5EF4-FFF2-40B4-BE49-F238E27FC236}">
+                <a16:creationId xmlns:a16="http://schemas.microsoft.com/office/drawing/2014/main" id="{A252B8A9-8FD3-204E-BDF1-303210146732}"/>
+              </a:ext>
+            </a:extLst>
+          </p:cNvPr>
+          <p:cNvCxnSpPr>
+            <a:cxnSpLocks/>
+            <a:stCxn id="30" idx="4"/>
+            <a:endCxn id="31" idx="0"/>
+          </p:cNvCxnSpPr>
+          <p:nvPr/>
+        </p:nvCxnSpPr>
+        <p:spPr>
+          <a:xfrm>
+            <a:off x="4704518" y="1799083"/>
+            <a:ext cx="0" cy="423529"/>
+          </a:xfrm>
+          <a:prstGeom prst="straightConnector1">
+            <a:avLst/>
+          </a:prstGeom>
+          <a:ln>
+            <a:solidFill>
+              <a:schemeClr val="tx1"/>
+            </a:solidFill>
+            <a:tailEnd type="triangle"/>
+          </a:ln>
+        </p:spPr>
+        <p:style>
+          <a:lnRef idx="1">
+            <a:schemeClr val="accent1"/>
+          </a:lnRef>
+          <a:fillRef idx="0">
+            <a:schemeClr val="accent1"/>
+          </a:fillRef>
+          <a:effectRef idx="0">
+            <a:schemeClr val="accent1"/>
+          </a:effectRef>
+          <a:fontRef idx="minor">
+            <a:schemeClr val="tx1"/>
+          </a:fontRef>
+        </p:style>
+      </p:cxnSp>
+      <p:sp>
+        <p:nvSpPr>
+          <p:cNvPr id="47" name="TextBox 46">
+            <a:extLst>
+              <a:ext uri="{FF2B5EF4-FFF2-40B4-BE49-F238E27FC236}">
+                <a16:creationId xmlns:a16="http://schemas.microsoft.com/office/drawing/2014/main" id="{E743EF94-0F53-694B-B726-AE18C9C1F1ED}"/>
+              </a:ext>
+            </a:extLst>
+          </p:cNvPr>
+          <p:cNvSpPr txBox="1"/>
+          <p:nvPr/>
+        </p:nvSpPr>
+        <p:spPr>
+          <a:xfrm>
+            <a:off x="2781046" y="2915412"/>
+            <a:ext cx="1326804" cy="923330"/>
+          </a:xfrm>
+          <a:prstGeom prst="rect">
+            <a:avLst/>
+          </a:prstGeom>
+          <a:noFill/>
+        </p:spPr>
+        <p:txBody>
+          <a:bodyPr wrap="square" rtlCol="0">
+            <a:spAutoFit/>
+          </a:bodyPr>
+          <a:lstStyle/>
+          <a:p>
+            <a:r>
+              <a:rPr lang="en-US" dirty="0">
+                <a:latin typeface="Arial" panose="020B0604020202020204" pitchFamily="34" charset="0"/>
+                <a:cs typeface="Arial" panose="020B0604020202020204" pitchFamily="34" charset="0"/>
+              </a:rPr>
+              <a:t>I can’t, that was the last one </a:t>
+            </a:r>
+          </a:p>
+        </p:txBody>
+      </p:sp>
+      <p:sp>
+        <p:nvSpPr>
+          <p:cNvPr id="48" name="TextBox 47">
+            <a:extLst>
+              <a:ext uri="{FF2B5EF4-FFF2-40B4-BE49-F238E27FC236}">
+                <a16:creationId xmlns:a16="http://schemas.microsoft.com/office/drawing/2014/main" id="{7AB70A2E-5BC3-E744-B8CB-4E3AEC296AD6}"/>
+              </a:ext>
+            </a:extLst>
+          </p:cNvPr>
+          <p:cNvSpPr txBox="1"/>
+          <p:nvPr/>
+        </p:nvSpPr>
+        <p:spPr>
+          <a:xfrm>
+            <a:off x="4307870" y="1826181"/>
+            <a:ext cx="428322" cy="369332"/>
+          </a:xfrm>
+          <a:prstGeom prst="rect">
+            <a:avLst/>
+          </a:prstGeom>
+          <a:noFill/>
+        </p:spPr>
+        <p:txBody>
+          <a:bodyPr wrap="none" rtlCol="0">
+            <a:spAutoFit/>
+          </a:bodyPr>
+          <a:lstStyle/>
+          <a:p>
+            <a:r>
+              <a:rPr lang="en-US" dirty="0">
+                <a:latin typeface="Arial" panose="020B0604020202020204" pitchFamily="34" charset="0"/>
+                <a:cs typeface="Arial" panose="020B0604020202020204" pitchFamily="34" charset="0"/>
+              </a:rPr>
+              <a:t>ok</a:t>
+            </a:r>
+          </a:p>
+        </p:txBody>
+      </p:sp>
+      <p:sp>
+        <p:nvSpPr>
+          <p:cNvPr id="41" name="TextBox 40">
+            <a:extLst>
+              <a:ext uri="{FF2B5EF4-FFF2-40B4-BE49-F238E27FC236}">
+                <a16:creationId xmlns:a16="http://schemas.microsoft.com/office/drawing/2014/main" id="{034F9B18-558C-094E-8690-C9B369C690B2}"/>
+              </a:ext>
+            </a:extLst>
+          </p:cNvPr>
+          <p:cNvSpPr txBox="1"/>
+          <p:nvPr/>
+        </p:nvSpPr>
+        <p:spPr>
+          <a:xfrm>
+            <a:off x="5779647" y="1489861"/>
+            <a:ext cx="3288080" cy="369332"/>
+          </a:xfrm>
+          <a:prstGeom prst="rect">
+            <a:avLst/>
+          </a:prstGeom>
+          <a:noFill/>
+        </p:spPr>
+        <p:txBody>
+          <a:bodyPr wrap="none" rtlCol="0">
+            <a:spAutoFit/>
+          </a:bodyPr>
+          <a:lstStyle/>
+          <a:p>
+            <a:r>
+              <a:rPr lang="en-US" dirty="0">
+                <a:latin typeface="Arial" panose="020B0604020202020204" pitchFamily="34" charset="0"/>
+                <a:cs typeface="Arial" panose="020B0604020202020204" pitchFamily="34" charset="0"/>
+              </a:rPr>
+              <a:t>Set </a:t>
+            </a:r>
+            <a:r>
+              <a:rPr lang="en-US" dirty="0" err="1">
+                <a:latin typeface="Arial" panose="020B0604020202020204" pitchFamily="34" charset="0"/>
+                <a:cs typeface="Arial" panose="020B0604020202020204" pitchFamily="34" charset="0"/>
+              </a:rPr>
+              <a:t>this_word</a:t>
+            </a:r>
+            <a:r>
+              <a:rPr lang="en-US" dirty="0">
+                <a:latin typeface="Arial" panose="020B0604020202020204" pitchFamily="34" charset="0"/>
+                <a:cs typeface="Arial" panose="020B0604020202020204" pitchFamily="34" charset="0"/>
+              </a:rPr>
+              <a:t> to the next word</a:t>
+            </a:r>
+          </a:p>
+        </p:txBody>
+      </p:sp>
+      <p:sp>
+        <p:nvSpPr>
+          <p:cNvPr id="43" name="Oval 42">
+            <a:extLst>
+              <a:ext uri="{FF2B5EF4-FFF2-40B4-BE49-F238E27FC236}">
+                <a16:creationId xmlns:a16="http://schemas.microsoft.com/office/drawing/2014/main" id="{1BB9C37A-140F-4E43-A16A-51D66E5E6080}"/>
+              </a:ext>
+            </a:extLst>
+          </p:cNvPr>
+          <p:cNvSpPr/>
+          <p:nvPr/>
+        </p:nvSpPr>
+        <p:spPr>
+          <a:xfrm>
+            <a:off x="4465284" y="3124606"/>
+            <a:ext cx="478465" cy="478465"/>
+          </a:xfrm>
+          <a:prstGeom prst="ellipse">
+            <a:avLst/>
+          </a:prstGeom>
+          <a:noFill/>
+          <a:ln>
+            <a:solidFill>
+              <a:schemeClr val="tx1"/>
+            </a:solidFill>
+          </a:ln>
+        </p:spPr>
+        <p:style>
+          <a:lnRef idx="2">
+            <a:schemeClr val="accent1">
+              <a:shade val="50000"/>
+            </a:schemeClr>
+          </a:lnRef>
+          <a:fillRef idx="1">
+            <a:schemeClr val="accent1"/>
+          </a:fillRef>
+          <a:effectRef idx="0">
+            <a:schemeClr val="accent1"/>
+          </a:effectRef>
+          <a:fontRef idx="minor">
+            <a:schemeClr val="lt1"/>
+          </a:fontRef>
+        </p:style>
+        <p:txBody>
+          <a:bodyPr rtlCol="0" anchor="ctr"/>
+          <a:lstStyle/>
+          <a:p>
+            <a:pPr algn="ctr"/>
+            <a:endParaRPr lang="en-US"/>
+          </a:p>
+        </p:txBody>
+      </p:sp>
+      <p:cxnSp>
+        <p:nvCxnSpPr>
+          <p:cNvPr id="44" name="Straight Arrow Connector 43">
+            <a:extLst>
+              <a:ext uri="{FF2B5EF4-FFF2-40B4-BE49-F238E27FC236}">
+                <a16:creationId xmlns:a16="http://schemas.microsoft.com/office/drawing/2014/main" id="{5A3345E1-ACA2-664D-AFAE-E10DC6B7660F}"/>
+              </a:ext>
+            </a:extLst>
+          </p:cNvPr>
+          <p:cNvCxnSpPr>
+            <a:cxnSpLocks/>
+            <a:endCxn id="43" idx="0"/>
+          </p:cNvCxnSpPr>
+          <p:nvPr/>
+        </p:nvCxnSpPr>
+        <p:spPr>
+          <a:xfrm>
+            <a:off x="4704517" y="2701077"/>
+            <a:ext cx="0" cy="423529"/>
+          </a:xfrm>
+          <a:prstGeom prst="straightConnector1">
+            <a:avLst/>
+          </a:prstGeom>
+          <a:ln>
+            <a:solidFill>
+              <a:schemeClr val="tx1"/>
+            </a:solidFill>
+            <a:tailEnd type="triangle"/>
+          </a:ln>
+        </p:spPr>
+        <p:style>
+          <a:lnRef idx="1">
+            <a:schemeClr val="accent1"/>
+          </a:lnRef>
+          <a:fillRef idx="0">
+            <a:schemeClr val="accent1"/>
+          </a:fillRef>
+          <a:effectRef idx="0">
+            <a:schemeClr val="accent1"/>
+          </a:effectRef>
+          <a:fontRef idx="minor">
+            <a:schemeClr val="tx1"/>
+          </a:fontRef>
+        </p:style>
+      </p:cxnSp>
+      <p:sp>
+        <p:nvSpPr>
+          <p:cNvPr id="54" name="TextBox 53">
+            <a:extLst>
+              <a:ext uri="{FF2B5EF4-FFF2-40B4-BE49-F238E27FC236}">
+                <a16:creationId xmlns:a16="http://schemas.microsoft.com/office/drawing/2014/main" id="{50958B0F-7827-A54C-B8DA-36B4F163C561}"/>
+              </a:ext>
+            </a:extLst>
+          </p:cNvPr>
+          <p:cNvSpPr txBox="1"/>
+          <p:nvPr/>
+        </p:nvSpPr>
+        <p:spPr>
+          <a:xfrm>
+            <a:off x="5779648" y="3180242"/>
+            <a:ext cx="2864819" cy="369332"/>
+          </a:xfrm>
+          <a:prstGeom prst="rect">
+            <a:avLst/>
+          </a:prstGeom>
+          <a:noFill/>
+        </p:spPr>
+        <p:txBody>
+          <a:bodyPr wrap="square" rtlCol="0">
+            <a:spAutoFit/>
+          </a:bodyPr>
+          <a:lstStyle/>
+          <a:p>
+            <a:r>
+              <a:rPr lang="en-US" dirty="0">
+                <a:latin typeface="Arial" panose="020B0604020202020204" pitchFamily="34" charset="0"/>
+                <a:cs typeface="Arial" panose="020B0604020202020204" pitchFamily="34" charset="0"/>
+              </a:rPr>
+              <a:t>Make an upper case word</a:t>
+            </a:r>
+          </a:p>
+        </p:txBody>
+      </p:sp>
+      <p:cxnSp>
+        <p:nvCxnSpPr>
+          <p:cNvPr id="72" name="Elbow Connector 71">
+            <a:extLst>
+              <a:ext uri="{FF2B5EF4-FFF2-40B4-BE49-F238E27FC236}">
+                <a16:creationId xmlns:a16="http://schemas.microsoft.com/office/drawing/2014/main" id="{96068463-4DA2-6B4C-9510-1E7F843644B6}"/>
+              </a:ext>
+            </a:extLst>
+          </p:cNvPr>
+          <p:cNvCxnSpPr>
+            <a:cxnSpLocks/>
+            <a:stCxn id="30" idx="2"/>
+            <a:endCxn id="24" idx="2"/>
+          </p:cNvCxnSpPr>
+          <p:nvPr/>
+        </p:nvCxnSpPr>
+        <p:spPr>
+          <a:xfrm rot="10800000" flipV="1">
+            <a:off x="4465283" y="1559851"/>
+            <a:ext cx="3" cy="4331286"/>
+          </a:xfrm>
+          <a:prstGeom prst="bentConnector3">
+            <a:avLst>
+              <a:gd name="adj1" fmla="val 7620100000"/>
+            </a:avLst>
+          </a:prstGeom>
+          <a:ln>
+            <a:tailEnd type="triangle"/>
+          </a:ln>
+        </p:spPr>
+        <p:style>
+          <a:lnRef idx="1">
+            <a:schemeClr val="dk1"/>
+          </a:lnRef>
+          <a:fillRef idx="0">
+            <a:schemeClr val="dk1"/>
+          </a:fillRef>
+          <a:effectRef idx="0">
+            <a:schemeClr val="dk1"/>
+          </a:effectRef>
+          <a:fontRef idx="minor">
+            <a:schemeClr val="tx1"/>
+          </a:fontRef>
+        </p:style>
+      </p:cxnSp>
+      <p:cxnSp>
+        <p:nvCxnSpPr>
+          <p:cNvPr id="75" name="Elbow Connector 74">
+            <a:extLst>
+              <a:ext uri="{FF2B5EF4-FFF2-40B4-BE49-F238E27FC236}">
+                <a16:creationId xmlns:a16="http://schemas.microsoft.com/office/drawing/2014/main" id="{4C4F7FBE-D53F-AB40-88DA-ACC0743CD17F}"/>
+              </a:ext>
+            </a:extLst>
+          </p:cNvPr>
+          <p:cNvCxnSpPr>
+            <a:cxnSpLocks/>
+            <a:stCxn id="23" idx="6"/>
+            <a:endCxn id="30" idx="6"/>
+          </p:cNvCxnSpPr>
+          <p:nvPr/>
+        </p:nvCxnSpPr>
+        <p:spPr>
+          <a:xfrm flipV="1">
+            <a:off x="4943748" y="1559851"/>
+            <a:ext cx="2" cy="3490280"/>
+          </a:xfrm>
+          <a:prstGeom prst="bentConnector3">
+            <a:avLst>
+              <a:gd name="adj1" fmla="val 11430100000"/>
+            </a:avLst>
+          </a:prstGeom>
+          <a:ln>
+            <a:solidFill>
+              <a:schemeClr val="tx1"/>
+            </a:solidFill>
+            <a:tailEnd type="triangle"/>
+          </a:ln>
+        </p:spPr>
+        <p:style>
+          <a:lnRef idx="1">
+            <a:schemeClr val="accent1"/>
+          </a:lnRef>
+          <a:fillRef idx="0">
+            <a:schemeClr val="accent1"/>
+          </a:fillRef>
+          <a:effectRef idx="0">
+            <a:schemeClr val="accent1"/>
+          </a:effectRef>
+          <a:fontRef idx="minor">
+            <a:schemeClr val="tx1"/>
+          </a:fontRef>
+        </p:style>
+      </p:cxnSp>
+      <p:sp>
+        <p:nvSpPr>
+          <p:cNvPr id="21" name="TextBox 20">
+            <a:extLst>
+              <a:ext uri="{FF2B5EF4-FFF2-40B4-BE49-F238E27FC236}">
+                <a16:creationId xmlns:a16="http://schemas.microsoft.com/office/drawing/2014/main" id="{DCDE8FEB-A1AD-0343-9BD9-A6BAA242C9D6}"/>
+              </a:ext>
+            </a:extLst>
+          </p:cNvPr>
+          <p:cNvSpPr txBox="1"/>
+          <p:nvPr/>
+        </p:nvSpPr>
+        <p:spPr>
+          <a:xfrm>
+            <a:off x="5779647" y="4022318"/>
+            <a:ext cx="3461867" cy="369332"/>
+          </a:xfrm>
+          <a:prstGeom prst="rect">
+            <a:avLst/>
+          </a:prstGeom>
+          <a:noFill/>
+        </p:spPr>
+        <p:txBody>
+          <a:bodyPr wrap="square" rtlCol="0">
+            <a:spAutoFit/>
+          </a:bodyPr>
+          <a:lstStyle/>
+          <a:p>
+            <a:r>
+              <a:rPr lang="en-US" dirty="0">
+                <a:latin typeface="Arial" panose="020B0604020202020204" pitchFamily="34" charset="0"/>
+                <a:cs typeface="Arial" panose="020B0604020202020204" pitchFamily="34" charset="0"/>
+              </a:rPr>
+              <a:t>Print a message to the console</a:t>
+            </a:r>
+          </a:p>
+        </p:txBody>
+      </p:sp>
+      <p:sp>
+        <p:nvSpPr>
+          <p:cNvPr id="22" name="TextBox 21">
+            <a:extLst>
+              <a:ext uri="{FF2B5EF4-FFF2-40B4-BE49-F238E27FC236}">
+                <a16:creationId xmlns:a16="http://schemas.microsoft.com/office/drawing/2014/main" id="{64A4F10E-177C-AA46-BD71-EDFC2EB201EB}"/>
+              </a:ext>
+            </a:extLst>
+          </p:cNvPr>
+          <p:cNvSpPr txBox="1"/>
+          <p:nvPr/>
+        </p:nvSpPr>
+        <p:spPr>
+          <a:xfrm>
+            <a:off x="5779648" y="4841410"/>
+            <a:ext cx="3461867" cy="369332"/>
+          </a:xfrm>
+          <a:prstGeom prst="rect">
+            <a:avLst/>
+          </a:prstGeom>
+          <a:noFill/>
+        </p:spPr>
+        <p:txBody>
+          <a:bodyPr wrap="square" rtlCol="0">
+            <a:spAutoFit/>
+          </a:bodyPr>
+          <a:lstStyle/>
+          <a:p>
+            <a:r>
+              <a:rPr lang="en-US" dirty="0">
+                <a:latin typeface="Arial" panose="020B0604020202020204" pitchFamily="34" charset="0"/>
+                <a:cs typeface="Arial" panose="020B0604020202020204" pitchFamily="34" charset="0"/>
+              </a:rPr>
+              <a:t>Go back to the top of the loop</a:t>
+            </a:r>
+          </a:p>
+        </p:txBody>
+      </p:sp>
+      <p:sp>
+        <p:nvSpPr>
+          <p:cNvPr id="23" name="Oval 22">
+            <a:extLst>
+              <a:ext uri="{FF2B5EF4-FFF2-40B4-BE49-F238E27FC236}">
+                <a16:creationId xmlns:a16="http://schemas.microsoft.com/office/drawing/2014/main" id="{F01E9CB5-3D8D-C94C-83F2-A5DA3D032A05}"/>
+              </a:ext>
+            </a:extLst>
+          </p:cNvPr>
+          <p:cNvSpPr/>
+          <p:nvPr/>
+        </p:nvSpPr>
+        <p:spPr>
+          <a:xfrm>
+            <a:off x="4465283" y="4810898"/>
+            <a:ext cx="478465" cy="478465"/>
+          </a:xfrm>
+          <a:prstGeom prst="ellipse">
+            <a:avLst/>
+          </a:prstGeom>
+          <a:noFill/>
+          <a:ln>
+            <a:solidFill>
+              <a:schemeClr val="tx1"/>
+            </a:solidFill>
+          </a:ln>
+        </p:spPr>
+        <p:style>
+          <a:lnRef idx="2">
+            <a:schemeClr val="accent1">
+              <a:shade val="50000"/>
+            </a:schemeClr>
+          </a:lnRef>
+          <a:fillRef idx="1">
+            <a:schemeClr val="accent1"/>
+          </a:fillRef>
+          <a:effectRef idx="0">
+            <a:schemeClr val="accent1"/>
+          </a:effectRef>
+          <a:fontRef idx="minor">
+            <a:schemeClr val="lt1"/>
+          </a:fontRef>
+        </p:style>
+        <p:txBody>
+          <a:bodyPr rtlCol="0" anchor="ctr"/>
+          <a:lstStyle/>
+          <a:p>
+            <a:pPr algn="ctr"/>
+            <a:endParaRPr lang="en-US"/>
+          </a:p>
+        </p:txBody>
+      </p:sp>
+      <p:sp>
+        <p:nvSpPr>
+          <p:cNvPr id="24" name="Oval 23">
+            <a:extLst>
+              <a:ext uri="{FF2B5EF4-FFF2-40B4-BE49-F238E27FC236}">
+                <a16:creationId xmlns:a16="http://schemas.microsoft.com/office/drawing/2014/main" id="{BE22CC75-1AC8-974E-9367-AFCFF2B0BB39}"/>
+              </a:ext>
+            </a:extLst>
+          </p:cNvPr>
+          <p:cNvSpPr/>
+          <p:nvPr/>
+        </p:nvSpPr>
+        <p:spPr>
+          <a:xfrm>
+            <a:off x="4465282" y="5651904"/>
+            <a:ext cx="478465" cy="478465"/>
+          </a:xfrm>
+          <a:prstGeom prst="ellipse">
+            <a:avLst/>
+          </a:prstGeom>
+          <a:noFill/>
+          <a:ln>
+            <a:solidFill>
+              <a:schemeClr val="tx1"/>
+            </a:solidFill>
+          </a:ln>
+        </p:spPr>
+        <p:style>
+          <a:lnRef idx="2">
+            <a:schemeClr val="accent1">
+              <a:shade val="50000"/>
+            </a:schemeClr>
+          </a:lnRef>
+          <a:fillRef idx="1">
+            <a:schemeClr val="accent1"/>
+          </a:fillRef>
+          <a:effectRef idx="0">
+            <a:schemeClr val="accent1"/>
+          </a:effectRef>
+          <a:fontRef idx="minor">
+            <a:schemeClr val="lt1"/>
+          </a:fontRef>
+        </p:style>
+        <p:txBody>
+          <a:bodyPr rtlCol="0" anchor="ctr"/>
+          <a:lstStyle/>
+          <a:p>
+            <a:pPr algn="ctr"/>
+            <a:endParaRPr lang="en-US"/>
+          </a:p>
+        </p:txBody>
+      </p:sp>
+      <p:cxnSp>
+        <p:nvCxnSpPr>
+          <p:cNvPr id="25" name="Straight Arrow Connector 24">
+            <a:extLst>
+              <a:ext uri="{FF2B5EF4-FFF2-40B4-BE49-F238E27FC236}">
+                <a16:creationId xmlns:a16="http://schemas.microsoft.com/office/drawing/2014/main" id="{72844ED7-8AAB-7645-9456-7C8E1B89CA9D}"/>
+              </a:ext>
+            </a:extLst>
+          </p:cNvPr>
+          <p:cNvCxnSpPr>
+            <a:cxnSpLocks/>
+            <a:stCxn id="43" idx="4"/>
+            <a:endCxn id="32" idx="0"/>
+          </p:cNvCxnSpPr>
+          <p:nvPr/>
+        </p:nvCxnSpPr>
+        <p:spPr>
+          <a:xfrm>
+            <a:off x="4704517" y="3603071"/>
+            <a:ext cx="0" cy="364681"/>
+          </a:xfrm>
+          <a:prstGeom prst="straightConnector1">
+            <a:avLst/>
+          </a:prstGeom>
+          <a:ln>
+            <a:solidFill>
+              <a:schemeClr val="tx1"/>
+            </a:solidFill>
+            <a:tailEnd type="triangle"/>
+          </a:ln>
+        </p:spPr>
+        <p:style>
+          <a:lnRef idx="1">
+            <a:schemeClr val="accent1"/>
+          </a:lnRef>
+          <a:fillRef idx="0">
+            <a:schemeClr val="accent1"/>
+          </a:fillRef>
+          <a:effectRef idx="0">
+            <a:schemeClr val="accent1"/>
+          </a:effectRef>
+          <a:fontRef idx="minor">
+            <a:schemeClr val="tx1"/>
+          </a:fontRef>
+        </p:style>
+      </p:cxnSp>
+      <p:cxnSp>
+        <p:nvCxnSpPr>
+          <p:cNvPr id="28" name="Straight Arrow Connector 27">
+            <a:extLst>
+              <a:ext uri="{FF2B5EF4-FFF2-40B4-BE49-F238E27FC236}">
+                <a16:creationId xmlns:a16="http://schemas.microsoft.com/office/drawing/2014/main" id="{6DFCF0FD-0BD5-814B-9CA2-3AF185F3E6D4}"/>
+              </a:ext>
+            </a:extLst>
+          </p:cNvPr>
+          <p:cNvCxnSpPr>
+            <a:cxnSpLocks/>
+            <a:stCxn id="32" idx="4"/>
+            <a:endCxn id="23" idx="0"/>
+          </p:cNvCxnSpPr>
+          <p:nvPr/>
+        </p:nvCxnSpPr>
+        <p:spPr>
+          <a:xfrm flipH="1">
+            <a:off x="4704516" y="4446217"/>
+            <a:ext cx="1" cy="364681"/>
+          </a:xfrm>
+          <a:prstGeom prst="straightConnector1">
+            <a:avLst/>
+          </a:prstGeom>
+          <a:ln>
+            <a:solidFill>
+              <a:schemeClr val="tx1"/>
+            </a:solidFill>
+            <a:tailEnd type="triangle"/>
+          </a:ln>
+        </p:spPr>
+        <p:style>
+          <a:lnRef idx="1">
+            <a:schemeClr val="accent1"/>
+          </a:lnRef>
+          <a:fillRef idx="0">
+            <a:schemeClr val="accent1"/>
+          </a:fillRef>
+          <a:effectRef idx="0">
+            <a:schemeClr val="accent1"/>
+          </a:effectRef>
+          <a:fontRef idx="minor">
+            <a:schemeClr val="tx1"/>
+          </a:fontRef>
+        </p:style>
+      </p:cxnSp>
+    </p:spTree>
+    <p:extLst>
+      <p:ext uri="{BB962C8B-B14F-4D97-AF65-F5344CB8AC3E}">
+        <p14:creationId xmlns:p14="http://schemas.microsoft.com/office/powerpoint/2010/main" val="3403598371"/>
+      </p:ext>
+    </p:extLst>
+  </p:cSld>
+  <p:clrMapOvr>
+    <a:masterClrMapping/>
+  </p:clrMapOvr>
+</p:sld>
+</file>
+
 <file path=ppt/theme/theme1.xml><?xml version="1.0" encoding="utf-8"?>
 <a:theme xmlns:a="http://schemas.openxmlformats.org/drawingml/2006/main" name="Office Theme">
   <a:themeElements>

--- a/docs/images.pptx
+++ b/docs/images.pptx
@@ -8,6 +8,8 @@
     <p:sldId id="257" r:id="rId2"/>
     <p:sldId id="258" r:id="rId3"/>
     <p:sldId id="259" r:id="rId4"/>
+    <p:sldId id="260" r:id="rId5"/>
+    <p:sldId id="261" r:id="rId6"/>
   </p:sldIdLst>
   <p:sldSz cx="12192000" cy="6858000"/>
   <p:notesSz cx="6858000" cy="9144000"/>
@@ -258,7 +260,7 @@
               <a:rPr lang="en-US" smtClean="0"/>
               <a:t>7/22/18</a:t>
             </a:fld>
-            <a:endParaRPr lang="en-US"/>
+            <a:endParaRPr lang="en-US" dirty="0"/>
           </a:p>
         </p:txBody>
       </p:sp>
@@ -283,7 +285,7 @@
           <a:bodyPr/>
           <a:lstStyle/>
           <a:p>
-            <a:endParaRPr lang="en-US"/>
+            <a:endParaRPr lang="en-US" dirty="0"/>
           </a:p>
         </p:txBody>
       </p:sp>
@@ -312,7 +314,7 @@
               <a:rPr lang="en-US" smtClean="0"/>
               <a:t>‹#›</a:t>
             </a:fld>
-            <a:endParaRPr lang="en-US"/>
+            <a:endParaRPr lang="en-US" dirty="0"/>
           </a:p>
         </p:txBody>
       </p:sp>
@@ -456,7 +458,7 @@
               <a:rPr lang="en-US" smtClean="0"/>
               <a:t>7/22/18</a:t>
             </a:fld>
-            <a:endParaRPr lang="en-US"/>
+            <a:endParaRPr lang="en-US" dirty="0"/>
           </a:p>
         </p:txBody>
       </p:sp>
@@ -481,7 +483,7 @@
           <a:bodyPr/>
           <a:lstStyle/>
           <a:p>
-            <a:endParaRPr lang="en-US"/>
+            <a:endParaRPr lang="en-US" dirty="0"/>
           </a:p>
         </p:txBody>
       </p:sp>
@@ -510,7 +512,7 @@
               <a:rPr lang="en-US" smtClean="0"/>
               <a:t>‹#›</a:t>
             </a:fld>
-            <a:endParaRPr lang="en-US"/>
+            <a:endParaRPr lang="en-US" dirty="0"/>
           </a:p>
         </p:txBody>
       </p:sp>
@@ -664,7 +666,7 @@
               <a:rPr lang="en-US" smtClean="0"/>
               <a:t>7/22/18</a:t>
             </a:fld>
-            <a:endParaRPr lang="en-US"/>
+            <a:endParaRPr lang="en-US" dirty="0"/>
           </a:p>
         </p:txBody>
       </p:sp>
@@ -689,7 +691,7 @@
           <a:bodyPr/>
           <a:lstStyle/>
           <a:p>
-            <a:endParaRPr lang="en-US"/>
+            <a:endParaRPr lang="en-US" dirty="0"/>
           </a:p>
         </p:txBody>
       </p:sp>
@@ -718,7 +720,7 @@
               <a:rPr lang="en-US" smtClean="0"/>
               <a:t>‹#›</a:t>
             </a:fld>
-            <a:endParaRPr lang="en-US"/>
+            <a:endParaRPr lang="en-US" dirty="0"/>
           </a:p>
         </p:txBody>
       </p:sp>
@@ -862,7 +864,7 @@
               <a:rPr lang="en-US" smtClean="0"/>
               <a:t>7/22/18</a:t>
             </a:fld>
-            <a:endParaRPr lang="en-US"/>
+            <a:endParaRPr lang="en-US" dirty="0"/>
           </a:p>
         </p:txBody>
       </p:sp>
@@ -887,7 +889,7 @@
           <a:bodyPr/>
           <a:lstStyle/>
           <a:p>
-            <a:endParaRPr lang="en-US"/>
+            <a:endParaRPr lang="en-US" dirty="0"/>
           </a:p>
         </p:txBody>
       </p:sp>
@@ -916,7 +918,7 @@
               <a:rPr lang="en-US" smtClean="0"/>
               <a:t>‹#›</a:t>
             </a:fld>
-            <a:endParaRPr lang="en-US"/>
+            <a:endParaRPr lang="en-US" dirty="0"/>
           </a:p>
         </p:txBody>
       </p:sp>
@@ -1137,7 +1139,7 @@
               <a:rPr lang="en-US" smtClean="0"/>
               <a:t>7/22/18</a:t>
             </a:fld>
-            <a:endParaRPr lang="en-US"/>
+            <a:endParaRPr lang="en-US" dirty="0"/>
           </a:p>
         </p:txBody>
       </p:sp>
@@ -1162,7 +1164,7 @@
           <a:bodyPr/>
           <a:lstStyle/>
           <a:p>
-            <a:endParaRPr lang="en-US"/>
+            <a:endParaRPr lang="en-US" dirty="0"/>
           </a:p>
         </p:txBody>
       </p:sp>
@@ -1191,7 +1193,7 @@
               <a:rPr lang="en-US" smtClean="0"/>
               <a:t>‹#›</a:t>
             </a:fld>
-            <a:endParaRPr lang="en-US"/>
+            <a:endParaRPr lang="en-US" dirty="0"/>
           </a:p>
         </p:txBody>
       </p:sp>
@@ -1402,7 +1404,7 @@
               <a:rPr lang="en-US" smtClean="0"/>
               <a:t>7/22/18</a:t>
             </a:fld>
-            <a:endParaRPr lang="en-US"/>
+            <a:endParaRPr lang="en-US" dirty="0"/>
           </a:p>
         </p:txBody>
       </p:sp>
@@ -1427,7 +1429,7 @@
           <a:bodyPr/>
           <a:lstStyle/>
           <a:p>
-            <a:endParaRPr lang="en-US"/>
+            <a:endParaRPr lang="en-US" dirty="0"/>
           </a:p>
         </p:txBody>
       </p:sp>
@@ -1456,7 +1458,7 @@
               <a:rPr lang="en-US" smtClean="0"/>
               <a:t>‹#›</a:t>
             </a:fld>
-            <a:endParaRPr lang="en-US"/>
+            <a:endParaRPr lang="en-US" dirty="0"/>
           </a:p>
         </p:txBody>
       </p:sp>
@@ -1814,7 +1816,7 @@
               <a:rPr lang="en-US" smtClean="0"/>
               <a:t>7/22/18</a:t>
             </a:fld>
-            <a:endParaRPr lang="en-US"/>
+            <a:endParaRPr lang="en-US" dirty="0"/>
           </a:p>
         </p:txBody>
       </p:sp>
@@ -1839,7 +1841,7 @@
           <a:bodyPr/>
           <a:lstStyle/>
           <a:p>
-            <a:endParaRPr lang="en-US"/>
+            <a:endParaRPr lang="en-US" dirty="0"/>
           </a:p>
         </p:txBody>
       </p:sp>
@@ -1868,7 +1870,7 @@
               <a:rPr lang="en-US" smtClean="0"/>
               <a:t>‹#›</a:t>
             </a:fld>
-            <a:endParaRPr lang="en-US"/>
+            <a:endParaRPr lang="en-US" dirty="0"/>
           </a:p>
         </p:txBody>
       </p:sp>
@@ -1955,7 +1957,7 @@
               <a:rPr lang="en-US" smtClean="0"/>
               <a:t>7/22/18</a:t>
             </a:fld>
-            <a:endParaRPr lang="en-US"/>
+            <a:endParaRPr lang="en-US" dirty="0"/>
           </a:p>
         </p:txBody>
       </p:sp>
@@ -1980,7 +1982,7 @@
           <a:bodyPr/>
           <a:lstStyle/>
           <a:p>
-            <a:endParaRPr lang="en-US"/>
+            <a:endParaRPr lang="en-US" dirty="0"/>
           </a:p>
         </p:txBody>
       </p:sp>
@@ -2009,7 +2011,7 @@
               <a:rPr lang="en-US" smtClean="0"/>
               <a:t>‹#›</a:t>
             </a:fld>
-            <a:endParaRPr lang="en-US"/>
+            <a:endParaRPr lang="en-US" dirty="0"/>
           </a:p>
         </p:txBody>
       </p:sp>
@@ -2068,7 +2070,7 @@
               <a:rPr lang="en-US" smtClean="0"/>
               <a:t>7/22/18</a:t>
             </a:fld>
-            <a:endParaRPr lang="en-US"/>
+            <a:endParaRPr lang="en-US" dirty="0"/>
           </a:p>
         </p:txBody>
       </p:sp>
@@ -2093,7 +2095,7 @@
           <a:bodyPr/>
           <a:lstStyle/>
           <a:p>
-            <a:endParaRPr lang="en-US"/>
+            <a:endParaRPr lang="en-US" dirty="0"/>
           </a:p>
         </p:txBody>
       </p:sp>
@@ -2122,7 +2124,7 @@
               <a:rPr lang="en-US" smtClean="0"/>
               <a:t>‹#›</a:t>
             </a:fld>
-            <a:endParaRPr lang="en-US"/>
+            <a:endParaRPr lang="en-US" dirty="0"/>
           </a:p>
         </p:txBody>
       </p:sp>
@@ -2379,7 +2381,7 @@
               <a:rPr lang="en-US" smtClean="0"/>
               <a:t>7/22/18</a:t>
             </a:fld>
-            <a:endParaRPr lang="en-US"/>
+            <a:endParaRPr lang="en-US" dirty="0"/>
           </a:p>
         </p:txBody>
       </p:sp>
@@ -2404,7 +2406,7 @@
           <a:bodyPr/>
           <a:lstStyle/>
           <a:p>
-            <a:endParaRPr lang="en-US"/>
+            <a:endParaRPr lang="en-US" dirty="0"/>
           </a:p>
         </p:txBody>
       </p:sp>
@@ -2433,7 +2435,7 @@
               <a:rPr lang="en-US" smtClean="0"/>
               <a:t>‹#›</a:t>
             </a:fld>
-            <a:endParaRPr lang="en-US"/>
+            <a:endParaRPr lang="en-US" dirty="0"/>
           </a:p>
         </p:txBody>
       </p:sp>
@@ -2567,7 +2569,7 @@
             </a:lvl9pPr>
           </a:lstStyle>
           <a:p>
-            <a:endParaRPr lang="en-US"/>
+            <a:endParaRPr lang="en-US" dirty="0"/>
           </a:p>
         </p:txBody>
       </p:sp>
@@ -2667,7 +2669,7 @@
               <a:rPr lang="en-US" smtClean="0"/>
               <a:t>7/22/18</a:t>
             </a:fld>
-            <a:endParaRPr lang="en-US"/>
+            <a:endParaRPr lang="en-US" dirty="0"/>
           </a:p>
         </p:txBody>
       </p:sp>
@@ -2692,7 +2694,7 @@
           <a:bodyPr/>
           <a:lstStyle/>
           <a:p>
-            <a:endParaRPr lang="en-US"/>
+            <a:endParaRPr lang="en-US" dirty="0"/>
           </a:p>
         </p:txBody>
       </p:sp>
@@ -2721,7 +2723,7 @@
               <a:rPr lang="en-US" smtClean="0"/>
               <a:t>‹#›</a:t>
             </a:fld>
-            <a:endParaRPr lang="en-US"/>
+            <a:endParaRPr lang="en-US" dirty="0"/>
           </a:p>
         </p:txBody>
       </p:sp>
@@ -2908,7 +2910,7 @@
               <a:rPr lang="en-US" smtClean="0"/>
               <a:t>7/22/18</a:t>
             </a:fld>
-            <a:endParaRPr lang="en-US"/>
+            <a:endParaRPr lang="en-US" dirty="0"/>
           </a:p>
         </p:txBody>
       </p:sp>
@@ -2951,7 +2953,7 @@
             </a:lvl1pPr>
           </a:lstStyle>
           <a:p>
-            <a:endParaRPr lang="en-US"/>
+            <a:endParaRPr lang="en-US" dirty="0"/>
           </a:p>
         </p:txBody>
       </p:sp>
@@ -2998,7 +3000,7 @@
               <a:rPr lang="en-US" smtClean="0"/>
               <a:t>‹#›</a:t>
             </a:fld>
-            <a:endParaRPr lang="en-US"/>
+            <a:endParaRPr lang="en-US" dirty="0"/>
           </a:p>
         </p:txBody>
       </p:sp>
@@ -3371,7 +3373,7 @@
           <a:lstStyle/>
           <a:p>
             <a:pPr algn="ctr"/>
-            <a:endParaRPr lang="en-US"/>
+            <a:endParaRPr lang="en-US" dirty="0"/>
           </a:p>
         </p:txBody>
       </p:sp>
@@ -3423,7 +3425,7 @@
           <a:lstStyle/>
           <a:p>
             <a:pPr algn="ctr"/>
-            <a:endParaRPr lang="en-US"/>
+            <a:endParaRPr lang="en-US" dirty="0"/>
           </a:p>
         </p:txBody>
       </p:sp>
@@ -3475,7 +3477,7 @@
           <a:lstStyle/>
           <a:p>
             <a:pPr algn="ctr"/>
-            <a:endParaRPr lang="en-US"/>
+            <a:endParaRPr lang="en-US" dirty="0"/>
           </a:p>
         </p:txBody>
       </p:sp>
@@ -3527,7 +3529,7 @@
           <a:lstStyle/>
           <a:p>
             <a:pPr algn="ctr"/>
-            <a:endParaRPr lang="en-US"/>
+            <a:endParaRPr lang="en-US" dirty="0"/>
           </a:p>
         </p:txBody>
       </p:sp>
@@ -3674,16 +3676,12 @@
           <a:lstStyle/>
           <a:p>
             <a:r>
-              <a:rPr lang="en-US" dirty="0" err="1">
+              <a:rPr lang="en-US" dirty="0">
                 <a:latin typeface="Arial" panose="020B0604020202020204" pitchFamily="34" charset="0"/>
                 <a:cs typeface="Arial" panose="020B0604020202020204" pitchFamily="34" charset="0"/>
               </a:rPr>
               <a:t>etc</a:t>
             </a:r>
-            <a:endParaRPr lang="en-US" dirty="0">
-              <a:latin typeface="Arial" panose="020B0604020202020204" pitchFamily="34" charset="0"/>
-              <a:cs typeface="Arial" panose="020B0604020202020204" pitchFamily="34" charset="0"/>
-            </a:endParaRPr>
           </a:p>
         </p:txBody>
       </p:sp>
@@ -3872,7 +3870,7 @@
           <a:lstStyle/>
           <a:p>
             <a:pPr algn="ctr"/>
-            <a:endParaRPr lang="en-US"/>
+            <a:endParaRPr lang="en-US" dirty="0"/>
           </a:p>
         </p:txBody>
       </p:sp>
@@ -3924,7 +3922,7 @@
           <a:lstStyle/>
           <a:p>
             <a:pPr algn="ctr"/>
-            <a:endParaRPr lang="en-US"/>
+            <a:endParaRPr lang="en-US" dirty="0"/>
           </a:p>
         </p:txBody>
       </p:sp>
@@ -3976,7 +3974,7 @@
           <a:lstStyle/>
           <a:p>
             <a:pPr algn="ctr"/>
-            <a:endParaRPr lang="en-US"/>
+            <a:endParaRPr lang="en-US" dirty="0"/>
           </a:p>
         </p:txBody>
       </p:sp>
@@ -4028,7 +4026,7 @@
           <a:lstStyle/>
           <a:p>
             <a:pPr algn="ctr"/>
-            <a:endParaRPr lang="en-US"/>
+            <a:endParaRPr lang="en-US" dirty="0"/>
           </a:p>
         </p:txBody>
       </p:sp>
@@ -4800,7 +4798,7 @@
           <a:lstStyle/>
           <a:p>
             <a:pPr algn="ctr"/>
-            <a:endParaRPr lang="en-US"/>
+            <a:endParaRPr lang="en-US" dirty="0"/>
           </a:p>
         </p:txBody>
       </p:sp>
@@ -4852,7 +4850,7 @@
           <a:lstStyle/>
           <a:p>
             <a:pPr algn="ctr"/>
-            <a:endParaRPr lang="en-US"/>
+            <a:endParaRPr lang="en-US" dirty="0"/>
           </a:p>
         </p:txBody>
       </p:sp>
@@ -4904,7 +4902,7 @@
           <a:lstStyle/>
           <a:p>
             <a:pPr algn="ctr"/>
-            <a:endParaRPr lang="en-US"/>
+            <a:endParaRPr lang="en-US" dirty="0"/>
           </a:p>
         </p:txBody>
       </p:sp>
@@ -4956,7 +4954,7 @@
           <a:lstStyle/>
           <a:p>
             <a:pPr algn="ctr"/>
-            <a:endParaRPr lang="en-US"/>
+            <a:endParaRPr lang="en-US" dirty="0"/>
           </a:p>
         </p:txBody>
       </p:sp>
@@ -5365,7 +5363,7 @@
           <a:lstStyle/>
           <a:p>
             <a:pPr algn="ctr"/>
-            <a:endParaRPr lang="en-US"/>
+            <a:endParaRPr lang="en-US" dirty="0"/>
           </a:p>
         </p:txBody>
       </p:sp>
@@ -5621,7 +5619,7 @@
           <a:lstStyle/>
           <a:p>
             <a:pPr algn="ctr"/>
-            <a:endParaRPr lang="en-US"/>
+            <a:endParaRPr lang="en-US" dirty="0"/>
           </a:p>
         </p:txBody>
       </p:sp>
@@ -5673,7 +5671,7 @@
           <a:lstStyle/>
           <a:p>
             <a:pPr algn="ctr"/>
-            <a:endParaRPr lang="en-US"/>
+            <a:endParaRPr lang="en-US" dirty="0"/>
           </a:p>
         </p:txBody>
       </p:sp>
@@ -5725,7 +5723,7 @@
           <a:lstStyle/>
           <a:p>
             <a:pPr algn="ctr"/>
-            <a:endParaRPr lang="en-US"/>
+            <a:endParaRPr lang="en-US" dirty="0"/>
           </a:p>
         </p:txBody>
       </p:sp>
@@ -5777,7 +5775,7 @@
           <a:lstStyle/>
           <a:p>
             <a:pPr algn="ctr"/>
-            <a:endParaRPr lang="en-US"/>
+            <a:endParaRPr lang="en-US" dirty="0"/>
           </a:p>
         </p:txBody>
       </p:sp>
@@ -5833,7 +5831,7 @@
         </p:nvSpPr>
         <p:spPr>
           <a:xfrm>
-            <a:off x="5789978" y="1177469"/>
+            <a:off x="5931383" y="1177469"/>
             <a:ext cx="1685077" cy="369332"/>
           </a:xfrm>
           <a:prstGeom prst="rect">
@@ -5871,7 +5869,7 @@
         </p:nvSpPr>
         <p:spPr>
           <a:xfrm>
-            <a:off x="5779648" y="2283038"/>
+            <a:off x="5921053" y="2283038"/>
             <a:ext cx="3172663" cy="369332"/>
           </a:xfrm>
           <a:prstGeom prst="rect">
@@ -5890,19 +5888,8 @@
                 <a:latin typeface="Arial" panose="020B0604020202020204" pitchFamily="34" charset="0"/>
                 <a:cs typeface="Arial" panose="020B0604020202020204" pitchFamily="34" charset="0"/>
               </a:rPr>
-              <a:t>Count the letters in </a:t>
-            </a:r>
-            <a:r>
-              <a:rPr lang="en-US" dirty="0" err="1">
-                <a:latin typeface="Arial" panose="020B0604020202020204" pitchFamily="34" charset="0"/>
-                <a:cs typeface="Arial" panose="020B0604020202020204" pitchFamily="34" charset="0"/>
-              </a:rPr>
-              <a:t>this_word</a:t>
-            </a:r>
-            <a:endParaRPr lang="en-US" dirty="0">
-              <a:latin typeface="Arial" panose="020B0604020202020204" pitchFamily="34" charset="0"/>
-              <a:cs typeface="Arial" panose="020B0604020202020204" pitchFamily="34" charset="0"/>
-            </a:endParaRPr>
+              <a:t>Count the letters in this_word</a:t>
+            </a:r>
           </a:p>
         </p:txBody>
       </p:sp>
@@ -6125,7 +6112,7 @@
         </p:nvSpPr>
         <p:spPr>
           <a:xfrm>
-            <a:off x="5779647" y="1489861"/>
+            <a:off x="5921052" y="1489861"/>
             <a:ext cx="3288080" cy="369332"/>
           </a:xfrm>
           <a:prstGeom prst="rect">
@@ -6144,21 +6131,7 @@
                 <a:latin typeface="Arial" panose="020B0604020202020204" pitchFamily="34" charset="0"/>
                 <a:cs typeface="Arial" panose="020B0604020202020204" pitchFamily="34" charset="0"/>
               </a:rPr>
-              <a:t>Set </a:t>
-            </a:r>
-            <a:r>
-              <a:rPr lang="en-US" dirty="0" err="1">
-                <a:latin typeface="Arial" panose="020B0604020202020204" pitchFamily="34" charset="0"/>
-                <a:cs typeface="Arial" panose="020B0604020202020204" pitchFamily="34" charset="0"/>
-              </a:rPr>
-              <a:t>this_word</a:t>
-            </a:r>
-            <a:r>
-              <a:rPr lang="en-US" dirty="0">
-                <a:latin typeface="Arial" panose="020B0604020202020204" pitchFamily="34" charset="0"/>
-                <a:cs typeface="Arial" panose="020B0604020202020204" pitchFamily="34" charset="0"/>
-              </a:rPr>
-              <a:t> to the next word</a:t>
+              <a:t>Set this_word to the next word</a:t>
             </a:r>
           </a:p>
         </p:txBody>
@@ -6211,7 +6184,7 @@
           <a:lstStyle/>
           <a:p>
             <a:pPr algn="ctr"/>
-            <a:endParaRPr lang="en-US"/>
+            <a:endParaRPr lang="en-US" dirty="0"/>
           </a:p>
         </p:txBody>
       </p:sp>
@@ -6274,7 +6247,7 @@
         </p:nvSpPr>
         <p:spPr>
           <a:xfrm>
-            <a:off x="5779648" y="3180242"/>
+            <a:off x="5921053" y="3180242"/>
             <a:ext cx="2864819" cy="369332"/>
           </a:xfrm>
           <a:prstGeom prst="rect">
@@ -6405,7 +6378,7 @@
         </p:nvSpPr>
         <p:spPr>
           <a:xfrm>
-            <a:off x="5779647" y="4022318"/>
+            <a:off x="5921052" y="4022318"/>
             <a:ext cx="3461867" cy="369332"/>
           </a:xfrm>
           <a:prstGeom prst="rect">
@@ -6443,7 +6416,7 @@
         </p:nvSpPr>
         <p:spPr>
           <a:xfrm>
-            <a:off x="5779648" y="4841410"/>
+            <a:off x="5921053" y="4841410"/>
             <a:ext cx="3461867" cy="369332"/>
           </a:xfrm>
           <a:prstGeom prst="rect">
@@ -6515,7 +6488,7 @@
           <a:lstStyle/>
           <a:p>
             <a:pPr algn="ctr"/>
-            <a:endParaRPr lang="en-US"/>
+            <a:endParaRPr lang="en-US" dirty="0"/>
           </a:p>
         </p:txBody>
       </p:sp>
@@ -6567,7 +6540,7 @@
           <a:lstStyle/>
           <a:p>
             <a:pPr algn="ctr"/>
-            <a:endParaRPr lang="en-US"/>
+            <a:endParaRPr lang="en-US" dirty="0"/>
           </a:p>
         </p:txBody>
       </p:sp>
@@ -6667,6 +6640,1432 @@
     <p:extLst>
       <p:ext uri="{BB962C8B-B14F-4D97-AF65-F5344CB8AC3E}">
         <p14:creationId xmlns:p14="http://schemas.microsoft.com/office/powerpoint/2010/main" val="3403598371"/>
+      </p:ext>
+    </p:extLst>
+  </p:cSld>
+  <p:clrMapOvr>
+    <a:masterClrMapping/>
+  </p:clrMapOvr>
+</p:sld>
+</file>
+
+<file path=ppt/slides/slide4.xml><?xml version="1.0" encoding="utf-8"?>
+<p:sld xmlns:a="http://schemas.openxmlformats.org/drawingml/2006/main" xmlns:r="http://schemas.openxmlformats.org/officeDocument/2006/relationships" xmlns:p="http://schemas.openxmlformats.org/presentationml/2006/main">
+  <p:cSld>
+    <p:spTree>
+      <p:nvGrpSpPr>
+        <p:cNvPr id="1" name=""/>
+        <p:cNvGrpSpPr/>
+        <p:nvPr/>
+      </p:nvGrpSpPr>
+      <p:grpSpPr>
+        <a:xfrm>
+          <a:off x="0" y="0"/>
+          <a:ext cx="0" cy="0"/>
+          <a:chOff x="0" y="0"/>
+          <a:chExt cx="0" cy="0"/>
+        </a:xfrm>
+      </p:grpSpPr>
+      <p:sp>
+        <p:nvSpPr>
+          <p:cNvPr id="30" name="Oval 29">
+            <a:extLst>
+              <a:ext uri="{FF2B5EF4-FFF2-40B4-BE49-F238E27FC236}">
+                <a16:creationId xmlns:a16="http://schemas.microsoft.com/office/drawing/2014/main" id="{D428A571-F715-1D40-AC70-A512F6F319DF}"/>
+              </a:ext>
+            </a:extLst>
+          </p:cNvPr>
+          <p:cNvSpPr/>
+          <p:nvPr/>
+        </p:nvSpPr>
+        <p:spPr>
+          <a:xfrm>
+            <a:off x="4264573" y="1973081"/>
+            <a:ext cx="478465" cy="478465"/>
+          </a:xfrm>
+          <a:prstGeom prst="ellipse">
+            <a:avLst/>
+          </a:prstGeom>
+          <a:noFill/>
+          <a:ln>
+            <a:solidFill>
+              <a:schemeClr val="tx1"/>
+            </a:solidFill>
+          </a:ln>
+        </p:spPr>
+        <p:style>
+          <a:lnRef idx="2">
+            <a:schemeClr val="accent1">
+              <a:shade val="50000"/>
+            </a:schemeClr>
+          </a:lnRef>
+          <a:fillRef idx="1">
+            <a:schemeClr val="accent1"/>
+          </a:fillRef>
+          <a:effectRef idx="0">
+            <a:schemeClr val="accent1"/>
+          </a:effectRef>
+          <a:fontRef idx="minor">
+            <a:schemeClr val="lt1"/>
+          </a:fontRef>
+        </p:style>
+        <p:txBody>
+          <a:bodyPr rtlCol="0" anchor="ctr"/>
+          <a:lstStyle/>
+          <a:p>
+            <a:pPr algn="ctr"/>
+            <a:endParaRPr lang="en-US" dirty="0"/>
+          </a:p>
+        </p:txBody>
+      </p:sp>
+      <p:sp>
+        <p:nvSpPr>
+          <p:cNvPr id="31" name="Oval 30">
+            <a:extLst>
+              <a:ext uri="{FF2B5EF4-FFF2-40B4-BE49-F238E27FC236}">
+                <a16:creationId xmlns:a16="http://schemas.microsoft.com/office/drawing/2014/main" id="{AF5439CA-38C6-6449-8F2A-D96D213944BB}"/>
+              </a:ext>
+            </a:extLst>
+          </p:cNvPr>
+          <p:cNvSpPr/>
+          <p:nvPr/>
+        </p:nvSpPr>
+        <p:spPr>
+          <a:xfrm>
+            <a:off x="4264573" y="2875075"/>
+            <a:ext cx="478465" cy="478465"/>
+          </a:xfrm>
+          <a:prstGeom prst="ellipse">
+            <a:avLst/>
+          </a:prstGeom>
+          <a:noFill/>
+          <a:ln>
+            <a:solidFill>
+              <a:schemeClr val="tx1"/>
+            </a:solidFill>
+          </a:ln>
+        </p:spPr>
+        <p:style>
+          <a:lnRef idx="2">
+            <a:schemeClr val="accent1">
+              <a:shade val="50000"/>
+            </a:schemeClr>
+          </a:lnRef>
+          <a:fillRef idx="1">
+            <a:schemeClr val="accent1"/>
+          </a:fillRef>
+          <a:effectRef idx="0">
+            <a:schemeClr val="accent1"/>
+          </a:effectRef>
+          <a:fontRef idx="minor">
+            <a:schemeClr val="lt1"/>
+          </a:fontRef>
+        </p:style>
+        <p:txBody>
+          <a:bodyPr rtlCol="0" anchor="ctr"/>
+          <a:lstStyle/>
+          <a:p>
+            <a:pPr algn="ctr"/>
+            <a:endParaRPr lang="en-US" dirty="0"/>
+          </a:p>
+        </p:txBody>
+      </p:sp>
+      <p:sp>
+        <p:nvSpPr>
+          <p:cNvPr id="32" name="Oval 31">
+            <a:extLst>
+              <a:ext uri="{FF2B5EF4-FFF2-40B4-BE49-F238E27FC236}">
+                <a16:creationId xmlns:a16="http://schemas.microsoft.com/office/drawing/2014/main" id="{4AFE8735-6AE8-D649-9EFB-ABFD4F21569A}"/>
+              </a:ext>
+            </a:extLst>
+          </p:cNvPr>
+          <p:cNvSpPr/>
+          <p:nvPr/>
+        </p:nvSpPr>
+        <p:spPr>
+          <a:xfrm>
+            <a:off x="4264573" y="3777069"/>
+            <a:ext cx="478465" cy="478465"/>
+          </a:xfrm>
+          <a:prstGeom prst="ellipse">
+            <a:avLst/>
+          </a:prstGeom>
+          <a:noFill/>
+          <a:ln>
+            <a:solidFill>
+              <a:schemeClr val="tx1"/>
+            </a:solidFill>
+          </a:ln>
+        </p:spPr>
+        <p:style>
+          <a:lnRef idx="2">
+            <a:schemeClr val="accent1">
+              <a:shade val="50000"/>
+            </a:schemeClr>
+          </a:lnRef>
+          <a:fillRef idx="1">
+            <a:schemeClr val="accent1"/>
+          </a:fillRef>
+          <a:effectRef idx="0">
+            <a:schemeClr val="accent1"/>
+          </a:effectRef>
+          <a:fontRef idx="minor">
+            <a:schemeClr val="lt1"/>
+          </a:fontRef>
+        </p:style>
+        <p:txBody>
+          <a:bodyPr rtlCol="0" anchor="ctr"/>
+          <a:lstStyle/>
+          <a:p>
+            <a:pPr algn="ctr"/>
+            <a:endParaRPr lang="en-US" dirty="0"/>
+          </a:p>
+        </p:txBody>
+      </p:sp>
+      <p:sp>
+        <p:nvSpPr>
+          <p:cNvPr id="34" name="TextBox 33">
+            <a:extLst>
+              <a:ext uri="{FF2B5EF4-FFF2-40B4-BE49-F238E27FC236}">
+                <a16:creationId xmlns:a16="http://schemas.microsoft.com/office/drawing/2014/main" id="{D89EEE05-A476-3F45-8768-4AD38524E83B}"/>
+              </a:ext>
+            </a:extLst>
+          </p:cNvPr>
+          <p:cNvSpPr txBox="1"/>
+          <p:nvPr/>
+        </p:nvSpPr>
+        <p:spPr>
+          <a:xfrm>
+            <a:off x="5008850" y="1844937"/>
+            <a:ext cx="2569934" cy="369332"/>
+          </a:xfrm>
+          <a:prstGeom prst="rect">
+            <a:avLst/>
+          </a:prstGeom>
+          <a:noFill/>
+        </p:spPr>
+        <p:txBody>
+          <a:bodyPr wrap="none" rtlCol="0">
+            <a:spAutoFit/>
+          </a:bodyPr>
+          <a:lstStyle/>
+          <a:p>
+            <a:r>
+              <a:rPr lang="en-US" dirty="0">
+                <a:latin typeface="Arial" panose="020B0604020202020204" pitchFamily="34" charset="0"/>
+                <a:cs typeface="Arial" panose="020B0604020202020204" pitchFamily="34" charset="0"/>
+              </a:rPr>
+              <a:t>Oh hey an if statement!</a:t>
+            </a:r>
+          </a:p>
+        </p:txBody>
+      </p:sp>
+      <p:sp>
+        <p:nvSpPr>
+          <p:cNvPr id="35" name="TextBox 34">
+            <a:extLst>
+              <a:ext uri="{FF2B5EF4-FFF2-40B4-BE49-F238E27FC236}">
+                <a16:creationId xmlns:a16="http://schemas.microsoft.com/office/drawing/2014/main" id="{788AB037-F62B-F645-8C4E-48F1D10CF2F0}"/>
+              </a:ext>
+            </a:extLst>
+          </p:cNvPr>
+          <p:cNvSpPr txBox="1"/>
+          <p:nvPr/>
+        </p:nvSpPr>
+        <p:spPr>
+          <a:xfrm>
+            <a:off x="5376495" y="2929641"/>
+            <a:ext cx="2091150" cy="369332"/>
+          </a:xfrm>
+          <a:prstGeom prst="rect">
+            <a:avLst/>
+          </a:prstGeom>
+          <a:noFill/>
+        </p:spPr>
+        <p:txBody>
+          <a:bodyPr wrap="none" rtlCol="0">
+            <a:spAutoFit/>
+          </a:bodyPr>
+          <a:lstStyle/>
+          <a:p>
+            <a:r>
+              <a:rPr lang="en-US" dirty="0">
+                <a:latin typeface="Arial" panose="020B0604020202020204" pitchFamily="34" charset="0"/>
+                <a:cs typeface="Arial" panose="020B0604020202020204" pitchFamily="34" charset="0"/>
+              </a:rPr>
+              <a:t>Okay, do the thing</a:t>
+            </a:r>
+          </a:p>
+        </p:txBody>
+      </p:sp>
+      <p:cxnSp>
+        <p:nvCxnSpPr>
+          <p:cNvPr id="37" name="Straight Arrow Connector 36">
+            <a:extLst>
+              <a:ext uri="{FF2B5EF4-FFF2-40B4-BE49-F238E27FC236}">
+                <a16:creationId xmlns:a16="http://schemas.microsoft.com/office/drawing/2014/main" id="{8FEA6428-3EF9-EB47-ADA8-EA6BA84F8931}"/>
+              </a:ext>
+            </a:extLst>
+          </p:cNvPr>
+          <p:cNvCxnSpPr>
+            <a:cxnSpLocks/>
+            <a:endCxn id="30" idx="0"/>
+          </p:cNvCxnSpPr>
+          <p:nvPr/>
+        </p:nvCxnSpPr>
+        <p:spPr>
+          <a:xfrm>
+            <a:off x="4503806" y="1576132"/>
+            <a:ext cx="0" cy="396949"/>
+          </a:xfrm>
+          <a:prstGeom prst="straightConnector1">
+            <a:avLst/>
+          </a:prstGeom>
+          <a:ln>
+            <a:solidFill>
+              <a:schemeClr val="tx1"/>
+            </a:solidFill>
+            <a:tailEnd type="triangle"/>
+          </a:ln>
+        </p:spPr>
+        <p:style>
+          <a:lnRef idx="1">
+            <a:schemeClr val="accent1"/>
+          </a:lnRef>
+          <a:fillRef idx="0">
+            <a:schemeClr val="accent1"/>
+          </a:fillRef>
+          <a:effectRef idx="0">
+            <a:schemeClr val="accent1"/>
+          </a:effectRef>
+          <a:fontRef idx="minor">
+            <a:schemeClr val="tx1"/>
+          </a:fontRef>
+        </p:style>
+      </p:cxnSp>
+      <p:cxnSp>
+        <p:nvCxnSpPr>
+          <p:cNvPr id="38" name="Straight Arrow Connector 37">
+            <a:extLst>
+              <a:ext uri="{FF2B5EF4-FFF2-40B4-BE49-F238E27FC236}">
+                <a16:creationId xmlns:a16="http://schemas.microsoft.com/office/drawing/2014/main" id="{A252B8A9-8FD3-204E-BDF1-303210146732}"/>
+              </a:ext>
+            </a:extLst>
+          </p:cNvPr>
+          <p:cNvCxnSpPr>
+            <a:cxnSpLocks/>
+            <a:stCxn id="30" idx="4"/>
+            <a:endCxn id="31" idx="0"/>
+          </p:cNvCxnSpPr>
+          <p:nvPr/>
+        </p:nvCxnSpPr>
+        <p:spPr>
+          <a:xfrm>
+            <a:off x="4503806" y="2451546"/>
+            <a:ext cx="0" cy="423529"/>
+          </a:xfrm>
+          <a:prstGeom prst="straightConnector1">
+            <a:avLst/>
+          </a:prstGeom>
+          <a:ln>
+            <a:solidFill>
+              <a:schemeClr val="tx1"/>
+            </a:solidFill>
+            <a:tailEnd type="triangle"/>
+          </a:ln>
+        </p:spPr>
+        <p:style>
+          <a:lnRef idx="1">
+            <a:schemeClr val="accent1"/>
+          </a:lnRef>
+          <a:fillRef idx="0">
+            <a:schemeClr val="accent1"/>
+          </a:fillRef>
+          <a:effectRef idx="0">
+            <a:schemeClr val="accent1"/>
+          </a:effectRef>
+          <a:fontRef idx="minor">
+            <a:schemeClr val="tx1"/>
+          </a:fontRef>
+        </p:style>
+      </p:cxnSp>
+      <p:cxnSp>
+        <p:nvCxnSpPr>
+          <p:cNvPr id="39" name="Straight Arrow Connector 38">
+            <a:extLst>
+              <a:ext uri="{FF2B5EF4-FFF2-40B4-BE49-F238E27FC236}">
+                <a16:creationId xmlns:a16="http://schemas.microsoft.com/office/drawing/2014/main" id="{334A4CAB-7B87-FD4D-B1D8-F530D5703064}"/>
+              </a:ext>
+            </a:extLst>
+          </p:cNvPr>
+          <p:cNvCxnSpPr>
+            <a:cxnSpLocks/>
+            <a:stCxn id="31" idx="4"/>
+            <a:endCxn id="32" idx="0"/>
+          </p:cNvCxnSpPr>
+          <p:nvPr/>
+        </p:nvCxnSpPr>
+        <p:spPr>
+          <a:xfrm>
+            <a:off x="4503806" y="3353540"/>
+            <a:ext cx="0" cy="423529"/>
+          </a:xfrm>
+          <a:prstGeom prst="straightConnector1">
+            <a:avLst/>
+          </a:prstGeom>
+          <a:ln>
+            <a:solidFill>
+              <a:schemeClr val="tx1"/>
+            </a:solidFill>
+            <a:tailEnd type="triangle"/>
+          </a:ln>
+        </p:spPr>
+        <p:style>
+          <a:lnRef idx="1">
+            <a:schemeClr val="accent1"/>
+          </a:lnRef>
+          <a:fillRef idx="0">
+            <a:schemeClr val="accent1"/>
+          </a:fillRef>
+          <a:effectRef idx="0">
+            <a:schemeClr val="accent1"/>
+          </a:effectRef>
+          <a:fontRef idx="minor">
+            <a:schemeClr val="tx1"/>
+          </a:fontRef>
+        </p:style>
+      </p:cxnSp>
+      <p:cxnSp>
+        <p:nvCxnSpPr>
+          <p:cNvPr id="42" name="Straight Arrow Connector 41">
+            <a:extLst>
+              <a:ext uri="{FF2B5EF4-FFF2-40B4-BE49-F238E27FC236}">
+                <a16:creationId xmlns:a16="http://schemas.microsoft.com/office/drawing/2014/main" id="{C05B5023-B231-2041-92D6-7370F4AE50F5}"/>
+              </a:ext>
+            </a:extLst>
+          </p:cNvPr>
+          <p:cNvCxnSpPr>
+            <a:cxnSpLocks/>
+            <a:stCxn id="32" idx="4"/>
+          </p:cNvCxnSpPr>
+          <p:nvPr/>
+        </p:nvCxnSpPr>
+        <p:spPr>
+          <a:xfrm>
+            <a:off x="4503806" y="4255534"/>
+            <a:ext cx="0" cy="423529"/>
+          </a:xfrm>
+          <a:prstGeom prst="straightConnector1">
+            <a:avLst/>
+          </a:prstGeom>
+          <a:ln>
+            <a:solidFill>
+              <a:schemeClr val="tx1"/>
+            </a:solidFill>
+            <a:tailEnd type="triangle"/>
+          </a:ln>
+        </p:spPr>
+        <p:style>
+          <a:lnRef idx="1">
+            <a:schemeClr val="accent1"/>
+          </a:lnRef>
+          <a:fillRef idx="0">
+            <a:schemeClr val="accent1"/>
+          </a:fillRef>
+          <a:effectRef idx="0">
+            <a:schemeClr val="accent1"/>
+          </a:effectRef>
+          <a:fontRef idx="minor">
+            <a:schemeClr val="tx1"/>
+          </a:fontRef>
+        </p:style>
+      </p:cxnSp>
+      <p:cxnSp>
+        <p:nvCxnSpPr>
+          <p:cNvPr id="45" name="Elbow Connector 44">
+            <a:extLst>
+              <a:ext uri="{FF2B5EF4-FFF2-40B4-BE49-F238E27FC236}">
+                <a16:creationId xmlns:a16="http://schemas.microsoft.com/office/drawing/2014/main" id="{B8BD172A-C3DF-394B-855C-244E7C5E6D3B}"/>
+              </a:ext>
+            </a:extLst>
+          </p:cNvPr>
+          <p:cNvCxnSpPr>
+            <a:stCxn id="32" idx="2"/>
+            <a:endCxn id="30" idx="2"/>
+          </p:cNvCxnSpPr>
+          <p:nvPr/>
+        </p:nvCxnSpPr>
+        <p:spPr>
+          <a:xfrm rot="10800000">
+            <a:off x="4264573" y="2212314"/>
+            <a:ext cx="12700" cy="1803988"/>
+          </a:xfrm>
+          <a:prstGeom prst="bentConnector3">
+            <a:avLst>
+              <a:gd name="adj1" fmla="val 4227906"/>
+            </a:avLst>
+          </a:prstGeom>
+          <a:ln>
+            <a:solidFill>
+              <a:schemeClr val="tx1"/>
+            </a:solidFill>
+            <a:headEnd type="triangle"/>
+            <a:tailEnd type="none"/>
+          </a:ln>
+        </p:spPr>
+        <p:style>
+          <a:lnRef idx="1">
+            <a:schemeClr val="accent1"/>
+          </a:lnRef>
+          <a:fillRef idx="0">
+            <a:schemeClr val="accent1"/>
+          </a:fillRef>
+          <a:effectRef idx="0">
+            <a:schemeClr val="accent1"/>
+          </a:effectRef>
+          <a:fontRef idx="minor">
+            <a:schemeClr val="tx1"/>
+          </a:fontRef>
+        </p:style>
+      </p:cxnSp>
+      <p:sp>
+        <p:nvSpPr>
+          <p:cNvPr id="47" name="TextBox 46">
+            <a:extLst>
+              <a:ext uri="{FF2B5EF4-FFF2-40B4-BE49-F238E27FC236}">
+                <a16:creationId xmlns:a16="http://schemas.microsoft.com/office/drawing/2014/main" id="{E743EF94-0F53-694B-B726-AE18C9C1F1ED}"/>
+              </a:ext>
+            </a:extLst>
+          </p:cNvPr>
+          <p:cNvSpPr txBox="1"/>
+          <p:nvPr/>
+        </p:nvSpPr>
+        <p:spPr>
+          <a:xfrm>
+            <a:off x="2494972" y="2613940"/>
+            <a:ext cx="1439445" cy="923330"/>
+          </a:xfrm>
+          <a:prstGeom prst="rect">
+            <a:avLst/>
+          </a:prstGeom>
+          <a:noFill/>
+        </p:spPr>
+        <p:txBody>
+          <a:bodyPr wrap="square" rtlCol="0">
+            <a:spAutoFit/>
+          </a:bodyPr>
+          <a:lstStyle/>
+          <a:p>
+            <a:r>
+              <a:rPr lang="en-US" dirty="0">
+                <a:latin typeface="Arial" panose="020B0604020202020204" pitchFamily="34" charset="0"/>
+                <a:cs typeface="Arial" panose="020B0604020202020204" pitchFamily="34" charset="0"/>
+              </a:rPr>
+              <a:t>nope, skipping this part </a:t>
+            </a:r>
+          </a:p>
+        </p:txBody>
+      </p:sp>
+      <p:sp>
+        <p:nvSpPr>
+          <p:cNvPr id="48" name="TextBox 47">
+            <a:extLst>
+              <a:ext uri="{FF2B5EF4-FFF2-40B4-BE49-F238E27FC236}">
+                <a16:creationId xmlns:a16="http://schemas.microsoft.com/office/drawing/2014/main" id="{7AB70A2E-5BC3-E744-B8CB-4E3AEC296AD6}"/>
+              </a:ext>
+            </a:extLst>
+          </p:cNvPr>
+          <p:cNvSpPr txBox="1"/>
+          <p:nvPr/>
+        </p:nvSpPr>
+        <p:spPr>
+          <a:xfrm>
+            <a:off x="3947242" y="2429274"/>
+            <a:ext cx="556563" cy="369332"/>
+          </a:xfrm>
+          <a:prstGeom prst="rect">
+            <a:avLst/>
+          </a:prstGeom>
+          <a:noFill/>
+        </p:spPr>
+        <p:txBody>
+          <a:bodyPr wrap="none" rtlCol="0">
+            <a:spAutoFit/>
+          </a:bodyPr>
+          <a:lstStyle/>
+          <a:p>
+            <a:r>
+              <a:rPr lang="en-US" dirty="0">
+                <a:latin typeface="Arial" panose="020B0604020202020204" pitchFamily="34" charset="0"/>
+                <a:cs typeface="Arial" panose="020B0604020202020204" pitchFamily="34" charset="0"/>
+              </a:rPr>
+              <a:t>yep</a:t>
+            </a:r>
+          </a:p>
+        </p:txBody>
+      </p:sp>
+      <p:sp>
+        <p:nvSpPr>
+          <p:cNvPr id="41" name="TextBox 40">
+            <a:extLst>
+              <a:ext uri="{FF2B5EF4-FFF2-40B4-BE49-F238E27FC236}">
+                <a16:creationId xmlns:a16="http://schemas.microsoft.com/office/drawing/2014/main" id="{DA068643-6351-1F4A-A622-11F9F61194AE}"/>
+              </a:ext>
+            </a:extLst>
+          </p:cNvPr>
+          <p:cNvSpPr txBox="1"/>
+          <p:nvPr/>
+        </p:nvSpPr>
+        <p:spPr>
+          <a:xfrm>
+            <a:off x="5008850" y="2125223"/>
+            <a:ext cx="2326278" cy="369332"/>
+          </a:xfrm>
+          <a:prstGeom prst="rect">
+            <a:avLst/>
+          </a:prstGeom>
+          <a:noFill/>
+        </p:spPr>
+        <p:txBody>
+          <a:bodyPr wrap="none" rtlCol="0">
+            <a:spAutoFit/>
+          </a:bodyPr>
+          <a:lstStyle/>
+          <a:p>
+            <a:r>
+              <a:rPr lang="en-US" dirty="0">
+                <a:latin typeface="Arial" panose="020B0604020202020204" pitchFamily="34" charset="0"/>
+                <a:cs typeface="Arial" panose="020B0604020202020204" pitchFamily="34" charset="0"/>
+              </a:rPr>
+              <a:t>Is the condition true?</a:t>
+            </a:r>
+          </a:p>
+        </p:txBody>
+      </p:sp>
+      <p:sp>
+        <p:nvSpPr>
+          <p:cNvPr id="44" name="TextBox 43">
+            <a:extLst>
+              <a:ext uri="{FF2B5EF4-FFF2-40B4-BE49-F238E27FC236}">
+                <a16:creationId xmlns:a16="http://schemas.microsoft.com/office/drawing/2014/main" id="{3A719E4E-6F02-E143-879C-C68E42008AFF}"/>
+              </a:ext>
+            </a:extLst>
+          </p:cNvPr>
+          <p:cNvSpPr txBox="1"/>
+          <p:nvPr/>
+        </p:nvSpPr>
+        <p:spPr>
+          <a:xfrm>
+            <a:off x="5008850" y="3829679"/>
+            <a:ext cx="2903359" cy="369332"/>
+          </a:xfrm>
+          <a:prstGeom prst="rect">
+            <a:avLst/>
+          </a:prstGeom>
+          <a:noFill/>
+        </p:spPr>
+        <p:txBody>
+          <a:bodyPr wrap="none" rtlCol="0">
+            <a:spAutoFit/>
+          </a:bodyPr>
+          <a:lstStyle/>
+          <a:p>
+            <a:r>
+              <a:rPr lang="en-US" dirty="0">
+                <a:latin typeface="Arial" panose="020B0604020202020204" pitchFamily="34" charset="0"/>
+                <a:cs typeface="Arial" panose="020B0604020202020204" pitchFamily="34" charset="0"/>
+              </a:rPr>
+              <a:t>Continue with rest of script</a:t>
+            </a:r>
+          </a:p>
+        </p:txBody>
+      </p:sp>
+    </p:spTree>
+    <p:extLst>
+      <p:ext uri="{BB962C8B-B14F-4D97-AF65-F5344CB8AC3E}">
+        <p14:creationId xmlns:p14="http://schemas.microsoft.com/office/powerpoint/2010/main" val="817932861"/>
+      </p:ext>
+    </p:extLst>
+  </p:cSld>
+  <p:clrMapOvr>
+    <a:masterClrMapping/>
+  </p:clrMapOvr>
+</p:sld>
+</file>
+
+<file path=ppt/slides/slide5.xml><?xml version="1.0" encoding="utf-8"?>
+<p:sld xmlns:a="http://schemas.openxmlformats.org/drawingml/2006/main" xmlns:r="http://schemas.openxmlformats.org/officeDocument/2006/relationships" xmlns:p="http://schemas.openxmlformats.org/presentationml/2006/main">
+  <p:cSld>
+    <p:spTree>
+      <p:nvGrpSpPr>
+        <p:cNvPr id="1" name=""/>
+        <p:cNvGrpSpPr/>
+        <p:nvPr/>
+      </p:nvGrpSpPr>
+      <p:grpSpPr>
+        <a:xfrm>
+          <a:off x="0" y="0"/>
+          <a:ext cx="0" cy="0"/>
+          <a:chOff x="0" y="0"/>
+          <a:chExt cx="0" cy="0"/>
+        </a:xfrm>
+      </p:grpSpPr>
+      <p:sp>
+        <p:nvSpPr>
+          <p:cNvPr id="30" name="Oval 29">
+            <a:extLst>
+              <a:ext uri="{FF2B5EF4-FFF2-40B4-BE49-F238E27FC236}">
+                <a16:creationId xmlns:a16="http://schemas.microsoft.com/office/drawing/2014/main" id="{D428A571-F715-1D40-AC70-A512F6F319DF}"/>
+              </a:ext>
+            </a:extLst>
+          </p:cNvPr>
+          <p:cNvSpPr/>
+          <p:nvPr/>
+        </p:nvSpPr>
+        <p:spPr>
+          <a:xfrm>
+            <a:off x="4264573" y="1973081"/>
+            <a:ext cx="478465" cy="478465"/>
+          </a:xfrm>
+          <a:prstGeom prst="ellipse">
+            <a:avLst/>
+          </a:prstGeom>
+          <a:noFill/>
+          <a:ln>
+            <a:solidFill>
+              <a:schemeClr val="tx1"/>
+            </a:solidFill>
+          </a:ln>
+        </p:spPr>
+        <p:style>
+          <a:lnRef idx="2">
+            <a:schemeClr val="accent1">
+              <a:shade val="50000"/>
+            </a:schemeClr>
+          </a:lnRef>
+          <a:fillRef idx="1">
+            <a:schemeClr val="accent1"/>
+          </a:fillRef>
+          <a:effectRef idx="0">
+            <a:schemeClr val="accent1"/>
+          </a:effectRef>
+          <a:fontRef idx="minor">
+            <a:schemeClr val="lt1"/>
+          </a:fontRef>
+        </p:style>
+        <p:txBody>
+          <a:bodyPr rtlCol="0" anchor="ctr"/>
+          <a:lstStyle/>
+          <a:p>
+            <a:pPr algn="ctr"/>
+            <a:endParaRPr lang="en-US" dirty="0"/>
+          </a:p>
+        </p:txBody>
+      </p:sp>
+      <p:sp>
+        <p:nvSpPr>
+          <p:cNvPr id="34" name="TextBox 33">
+            <a:extLst>
+              <a:ext uri="{FF2B5EF4-FFF2-40B4-BE49-F238E27FC236}">
+                <a16:creationId xmlns:a16="http://schemas.microsoft.com/office/drawing/2014/main" id="{D89EEE05-A476-3F45-8768-4AD38524E83B}"/>
+              </a:ext>
+            </a:extLst>
+          </p:cNvPr>
+          <p:cNvSpPr txBox="1"/>
+          <p:nvPr/>
+        </p:nvSpPr>
+        <p:spPr>
+          <a:xfrm>
+            <a:off x="4778290" y="1022273"/>
+            <a:ext cx="2441694" cy="369332"/>
+          </a:xfrm>
+          <a:prstGeom prst="rect">
+            <a:avLst/>
+          </a:prstGeom>
+          <a:noFill/>
+        </p:spPr>
+        <p:txBody>
+          <a:bodyPr wrap="none" rtlCol="0">
+            <a:spAutoFit/>
+          </a:bodyPr>
+          <a:lstStyle/>
+          <a:p>
+            <a:r>
+              <a:rPr lang="en-US" dirty="0">
+                <a:latin typeface="Arial" panose="020B0604020202020204" pitchFamily="34" charset="0"/>
+                <a:cs typeface="Arial" panose="020B0604020202020204" pitchFamily="34" charset="0"/>
+              </a:rPr>
+              <a:t>Oh hey an if-else pair!</a:t>
+            </a:r>
+          </a:p>
+        </p:txBody>
+      </p:sp>
+      <p:sp>
+        <p:nvSpPr>
+          <p:cNvPr id="35" name="TextBox 34">
+            <a:extLst>
+              <a:ext uri="{FF2B5EF4-FFF2-40B4-BE49-F238E27FC236}">
+                <a16:creationId xmlns:a16="http://schemas.microsoft.com/office/drawing/2014/main" id="{788AB037-F62B-F645-8C4E-48F1D10CF2F0}"/>
+              </a:ext>
+            </a:extLst>
+          </p:cNvPr>
+          <p:cNvSpPr txBox="1"/>
+          <p:nvPr/>
+        </p:nvSpPr>
+        <p:spPr>
+          <a:xfrm>
+            <a:off x="1652391" y="2904148"/>
+            <a:ext cx="2124556" cy="369332"/>
+          </a:xfrm>
+          <a:prstGeom prst="rect">
+            <a:avLst/>
+          </a:prstGeom>
+          <a:noFill/>
+        </p:spPr>
+        <p:txBody>
+          <a:bodyPr wrap="square" rtlCol="0">
+            <a:spAutoFit/>
+          </a:bodyPr>
+          <a:lstStyle/>
+          <a:p>
+            <a:r>
+              <a:rPr lang="en-US" dirty="0">
+                <a:latin typeface="Arial" panose="020B0604020202020204" pitchFamily="34" charset="0"/>
+                <a:cs typeface="Arial" panose="020B0604020202020204" pitchFamily="34" charset="0"/>
+              </a:rPr>
+              <a:t>Do this thing…</a:t>
+            </a:r>
+          </a:p>
+        </p:txBody>
+      </p:sp>
+      <p:cxnSp>
+        <p:nvCxnSpPr>
+          <p:cNvPr id="37" name="Straight Arrow Connector 36">
+            <a:extLst>
+              <a:ext uri="{FF2B5EF4-FFF2-40B4-BE49-F238E27FC236}">
+                <a16:creationId xmlns:a16="http://schemas.microsoft.com/office/drawing/2014/main" id="{8FEA6428-3EF9-EB47-ADA8-EA6BA84F8931}"/>
+              </a:ext>
+            </a:extLst>
+          </p:cNvPr>
+          <p:cNvCxnSpPr>
+            <a:cxnSpLocks/>
+            <a:endCxn id="30" idx="0"/>
+          </p:cNvCxnSpPr>
+          <p:nvPr/>
+        </p:nvCxnSpPr>
+        <p:spPr>
+          <a:xfrm>
+            <a:off x="4503806" y="1055802"/>
+            <a:ext cx="0" cy="917279"/>
+          </a:xfrm>
+          <a:prstGeom prst="straightConnector1">
+            <a:avLst/>
+          </a:prstGeom>
+          <a:ln>
+            <a:solidFill>
+              <a:schemeClr val="tx1"/>
+            </a:solidFill>
+            <a:tailEnd type="triangle"/>
+          </a:ln>
+        </p:spPr>
+        <p:style>
+          <a:lnRef idx="1">
+            <a:schemeClr val="accent1"/>
+          </a:lnRef>
+          <a:fillRef idx="0">
+            <a:schemeClr val="accent1"/>
+          </a:fillRef>
+          <a:effectRef idx="0">
+            <a:schemeClr val="accent1"/>
+          </a:effectRef>
+          <a:fontRef idx="minor">
+            <a:schemeClr val="tx1"/>
+          </a:fontRef>
+        </p:style>
+      </p:cxnSp>
+      <p:cxnSp>
+        <p:nvCxnSpPr>
+          <p:cNvPr id="42" name="Straight Arrow Connector 41">
+            <a:extLst>
+              <a:ext uri="{FF2B5EF4-FFF2-40B4-BE49-F238E27FC236}">
+                <a16:creationId xmlns:a16="http://schemas.microsoft.com/office/drawing/2014/main" id="{C05B5023-B231-2041-92D6-7370F4AE50F5}"/>
+              </a:ext>
+            </a:extLst>
+          </p:cNvPr>
+          <p:cNvCxnSpPr>
+            <a:cxnSpLocks/>
+            <a:stCxn id="40" idx="4"/>
+          </p:cNvCxnSpPr>
+          <p:nvPr/>
+        </p:nvCxnSpPr>
+        <p:spPr>
+          <a:xfrm flipH="1">
+            <a:off x="4503804" y="4252577"/>
+            <a:ext cx="1" cy="611654"/>
+          </a:xfrm>
+          <a:prstGeom prst="straightConnector1">
+            <a:avLst/>
+          </a:prstGeom>
+          <a:ln>
+            <a:solidFill>
+              <a:schemeClr val="tx1"/>
+            </a:solidFill>
+            <a:tailEnd type="triangle"/>
+          </a:ln>
+        </p:spPr>
+        <p:style>
+          <a:lnRef idx="1">
+            <a:schemeClr val="accent1"/>
+          </a:lnRef>
+          <a:fillRef idx="0">
+            <a:schemeClr val="accent1"/>
+          </a:fillRef>
+          <a:effectRef idx="0">
+            <a:schemeClr val="accent1"/>
+          </a:effectRef>
+          <a:fontRef idx="minor">
+            <a:schemeClr val="tx1"/>
+          </a:fontRef>
+        </p:style>
+      </p:cxnSp>
+      <p:cxnSp>
+        <p:nvCxnSpPr>
+          <p:cNvPr id="45" name="Elbow Connector 44">
+            <a:extLst>
+              <a:ext uri="{FF2B5EF4-FFF2-40B4-BE49-F238E27FC236}">
+                <a16:creationId xmlns:a16="http://schemas.microsoft.com/office/drawing/2014/main" id="{B8BD172A-C3DF-394B-855C-244E7C5E6D3B}"/>
+              </a:ext>
+            </a:extLst>
+          </p:cNvPr>
+          <p:cNvCxnSpPr>
+            <a:cxnSpLocks/>
+            <a:stCxn id="19" idx="0"/>
+            <a:endCxn id="30" idx="2"/>
+          </p:cNvCxnSpPr>
+          <p:nvPr/>
+        </p:nvCxnSpPr>
+        <p:spPr>
+          <a:xfrm rot="5400000" flipH="1" flipV="1">
+            <a:off x="3582510" y="2167519"/>
+            <a:ext cx="637268" cy="726858"/>
+          </a:xfrm>
+          <a:prstGeom prst="bentConnector2">
+            <a:avLst/>
+          </a:prstGeom>
+          <a:ln>
+            <a:solidFill>
+              <a:schemeClr val="tx1"/>
+            </a:solidFill>
+            <a:headEnd type="triangle"/>
+            <a:tailEnd type="none"/>
+          </a:ln>
+        </p:spPr>
+        <p:style>
+          <a:lnRef idx="1">
+            <a:schemeClr val="accent1"/>
+          </a:lnRef>
+          <a:fillRef idx="0">
+            <a:schemeClr val="accent1"/>
+          </a:fillRef>
+          <a:effectRef idx="0">
+            <a:schemeClr val="accent1"/>
+          </a:effectRef>
+          <a:fontRef idx="minor">
+            <a:schemeClr val="tx1"/>
+          </a:fontRef>
+        </p:style>
+      </p:cxnSp>
+      <p:sp>
+        <p:nvSpPr>
+          <p:cNvPr id="47" name="TextBox 46">
+            <a:extLst>
+              <a:ext uri="{FF2B5EF4-FFF2-40B4-BE49-F238E27FC236}">
+                <a16:creationId xmlns:a16="http://schemas.microsoft.com/office/drawing/2014/main" id="{E743EF94-0F53-694B-B726-AE18C9C1F1ED}"/>
+              </a:ext>
+            </a:extLst>
+          </p:cNvPr>
+          <p:cNvSpPr txBox="1"/>
+          <p:nvPr/>
+        </p:nvSpPr>
+        <p:spPr>
+          <a:xfrm>
+            <a:off x="3613603" y="1848379"/>
+            <a:ext cx="681709" cy="369332"/>
+          </a:xfrm>
+          <a:prstGeom prst="rect">
+            <a:avLst/>
+          </a:prstGeom>
+          <a:noFill/>
+        </p:spPr>
+        <p:txBody>
+          <a:bodyPr wrap="square" rtlCol="0">
+            <a:spAutoFit/>
+          </a:bodyPr>
+          <a:lstStyle/>
+          <a:p>
+            <a:r>
+              <a:rPr lang="en-US" dirty="0">
+                <a:latin typeface="Arial" panose="020B0604020202020204" pitchFamily="34" charset="0"/>
+                <a:cs typeface="Arial" panose="020B0604020202020204" pitchFamily="34" charset="0"/>
+              </a:rPr>
+              <a:t>yes</a:t>
+            </a:r>
+          </a:p>
+        </p:txBody>
+      </p:sp>
+      <p:sp>
+        <p:nvSpPr>
+          <p:cNvPr id="41" name="TextBox 40">
+            <a:extLst>
+              <a:ext uri="{FF2B5EF4-FFF2-40B4-BE49-F238E27FC236}">
+                <a16:creationId xmlns:a16="http://schemas.microsoft.com/office/drawing/2014/main" id="{DA068643-6351-1F4A-A622-11F9F61194AE}"/>
+              </a:ext>
+            </a:extLst>
+          </p:cNvPr>
+          <p:cNvSpPr txBox="1"/>
+          <p:nvPr/>
+        </p:nvSpPr>
+        <p:spPr>
+          <a:xfrm>
+            <a:off x="4778290" y="1302559"/>
+            <a:ext cx="2326278" cy="369332"/>
+          </a:xfrm>
+          <a:prstGeom prst="rect">
+            <a:avLst/>
+          </a:prstGeom>
+          <a:noFill/>
+        </p:spPr>
+        <p:txBody>
+          <a:bodyPr wrap="none" rtlCol="0">
+            <a:spAutoFit/>
+          </a:bodyPr>
+          <a:lstStyle/>
+          <a:p>
+            <a:r>
+              <a:rPr lang="en-US" dirty="0">
+                <a:latin typeface="Arial" panose="020B0604020202020204" pitchFamily="34" charset="0"/>
+                <a:cs typeface="Arial" panose="020B0604020202020204" pitchFamily="34" charset="0"/>
+              </a:rPr>
+              <a:t>Is the condition true?</a:t>
+            </a:r>
+          </a:p>
+        </p:txBody>
+      </p:sp>
+      <p:sp>
+        <p:nvSpPr>
+          <p:cNvPr id="44" name="TextBox 43">
+            <a:extLst>
+              <a:ext uri="{FF2B5EF4-FFF2-40B4-BE49-F238E27FC236}">
+                <a16:creationId xmlns:a16="http://schemas.microsoft.com/office/drawing/2014/main" id="{3A719E4E-6F02-E143-879C-C68E42008AFF}"/>
+              </a:ext>
+            </a:extLst>
+          </p:cNvPr>
+          <p:cNvSpPr txBox="1"/>
+          <p:nvPr/>
+        </p:nvSpPr>
+        <p:spPr>
+          <a:xfrm>
+            <a:off x="4778290" y="4321072"/>
+            <a:ext cx="2903359" cy="369332"/>
+          </a:xfrm>
+          <a:prstGeom prst="rect">
+            <a:avLst/>
+          </a:prstGeom>
+          <a:noFill/>
+        </p:spPr>
+        <p:txBody>
+          <a:bodyPr wrap="none" rtlCol="0">
+            <a:spAutoFit/>
+          </a:bodyPr>
+          <a:lstStyle/>
+          <a:p>
+            <a:r>
+              <a:rPr lang="en-US" dirty="0">
+                <a:latin typeface="Arial" panose="020B0604020202020204" pitchFamily="34" charset="0"/>
+                <a:cs typeface="Arial" panose="020B0604020202020204" pitchFamily="34" charset="0"/>
+              </a:rPr>
+              <a:t>Continue with rest of script</a:t>
+            </a:r>
+          </a:p>
+        </p:txBody>
+      </p:sp>
+      <p:sp>
+        <p:nvSpPr>
+          <p:cNvPr id="19" name="Oval 18">
+            <a:extLst>
+              <a:ext uri="{FF2B5EF4-FFF2-40B4-BE49-F238E27FC236}">
+                <a16:creationId xmlns:a16="http://schemas.microsoft.com/office/drawing/2014/main" id="{418489C7-91BE-F045-9470-D1DB932D6284}"/>
+              </a:ext>
+            </a:extLst>
+          </p:cNvPr>
+          <p:cNvSpPr/>
+          <p:nvPr/>
+        </p:nvSpPr>
+        <p:spPr>
+          <a:xfrm>
+            <a:off x="3298482" y="2849582"/>
+            <a:ext cx="478465" cy="478465"/>
+          </a:xfrm>
+          <a:prstGeom prst="ellipse">
+            <a:avLst/>
+          </a:prstGeom>
+          <a:noFill/>
+          <a:ln>
+            <a:solidFill>
+              <a:schemeClr val="tx1"/>
+            </a:solidFill>
+          </a:ln>
+        </p:spPr>
+        <p:style>
+          <a:lnRef idx="2">
+            <a:schemeClr val="accent1">
+              <a:shade val="50000"/>
+            </a:schemeClr>
+          </a:lnRef>
+          <a:fillRef idx="1">
+            <a:schemeClr val="accent1"/>
+          </a:fillRef>
+          <a:effectRef idx="0">
+            <a:schemeClr val="accent1"/>
+          </a:effectRef>
+          <a:fontRef idx="minor">
+            <a:schemeClr val="lt1"/>
+          </a:fontRef>
+        </p:style>
+        <p:txBody>
+          <a:bodyPr rtlCol="0" anchor="ctr"/>
+          <a:lstStyle/>
+          <a:p>
+            <a:pPr algn="ctr"/>
+            <a:endParaRPr lang="en-US" dirty="0"/>
+          </a:p>
+        </p:txBody>
+      </p:sp>
+      <p:sp>
+        <p:nvSpPr>
+          <p:cNvPr id="26" name="Oval 25">
+            <a:extLst>
+              <a:ext uri="{FF2B5EF4-FFF2-40B4-BE49-F238E27FC236}">
+                <a16:creationId xmlns:a16="http://schemas.microsoft.com/office/drawing/2014/main" id="{4D094416-9D20-EE4B-9C0F-01A4376C06CD}"/>
+              </a:ext>
+            </a:extLst>
+          </p:cNvPr>
+          <p:cNvSpPr/>
+          <p:nvPr/>
+        </p:nvSpPr>
+        <p:spPr>
+          <a:xfrm>
+            <a:off x="5183805" y="2849582"/>
+            <a:ext cx="478465" cy="478465"/>
+          </a:xfrm>
+          <a:prstGeom prst="ellipse">
+            <a:avLst/>
+          </a:prstGeom>
+          <a:noFill/>
+          <a:ln>
+            <a:solidFill>
+              <a:schemeClr val="tx1"/>
+            </a:solidFill>
+          </a:ln>
+        </p:spPr>
+        <p:style>
+          <a:lnRef idx="2">
+            <a:schemeClr val="accent1">
+              <a:shade val="50000"/>
+            </a:schemeClr>
+          </a:lnRef>
+          <a:fillRef idx="1">
+            <a:schemeClr val="accent1"/>
+          </a:fillRef>
+          <a:effectRef idx="0">
+            <a:schemeClr val="accent1"/>
+          </a:effectRef>
+          <a:fontRef idx="minor">
+            <a:schemeClr val="lt1"/>
+          </a:fontRef>
+        </p:style>
+        <p:txBody>
+          <a:bodyPr rtlCol="0" anchor="ctr"/>
+          <a:lstStyle/>
+          <a:p>
+            <a:pPr algn="ctr"/>
+            <a:endParaRPr lang="en-US" dirty="0"/>
+          </a:p>
+        </p:txBody>
+      </p:sp>
+      <p:cxnSp>
+        <p:nvCxnSpPr>
+          <p:cNvPr id="27" name="Elbow Connector 26">
+            <a:extLst>
+              <a:ext uri="{FF2B5EF4-FFF2-40B4-BE49-F238E27FC236}">
+                <a16:creationId xmlns:a16="http://schemas.microsoft.com/office/drawing/2014/main" id="{513DFAB8-90BC-084E-B78B-7779F55A2056}"/>
+              </a:ext>
+            </a:extLst>
+          </p:cNvPr>
+          <p:cNvCxnSpPr>
+            <a:cxnSpLocks/>
+            <a:stCxn id="26" idx="0"/>
+            <a:endCxn id="30" idx="6"/>
+          </p:cNvCxnSpPr>
+          <p:nvPr/>
+        </p:nvCxnSpPr>
+        <p:spPr>
+          <a:xfrm rot="16200000" flipV="1">
+            <a:off x="4764404" y="2190948"/>
+            <a:ext cx="637268" cy="680000"/>
+          </a:xfrm>
+          <a:prstGeom prst="bentConnector2">
+            <a:avLst/>
+          </a:prstGeom>
+          <a:ln>
+            <a:solidFill>
+              <a:schemeClr val="tx1"/>
+            </a:solidFill>
+            <a:headEnd type="triangle"/>
+            <a:tailEnd type="none"/>
+          </a:ln>
+        </p:spPr>
+        <p:style>
+          <a:lnRef idx="1">
+            <a:schemeClr val="accent1"/>
+          </a:lnRef>
+          <a:fillRef idx="0">
+            <a:schemeClr val="accent1"/>
+          </a:fillRef>
+          <a:effectRef idx="0">
+            <a:schemeClr val="accent1"/>
+          </a:effectRef>
+          <a:fontRef idx="minor">
+            <a:schemeClr val="tx1"/>
+          </a:fontRef>
+        </p:style>
+      </p:cxnSp>
+      <p:sp>
+        <p:nvSpPr>
+          <p:cNvPr id="33" name="TextBox 32">
+            <a:extLst>
+              <a:ext uri="{FF2B5EF4-FFF2-40B4-BE49-F238E27FC236}">
+                <a16:creationId xmlns:a16="http://schemas.microsoft.com/office/drawing/2014/main" id="{75DAC99B-93F4-5A41-A2C0-4480D9FA2336}"/>
+              </a:ext>
+            </a:extLst>
+          </p:cNvPr>
+          <p:cNvSpPr txBox="1"/>
+          <p:nvPr/>
+        </p:nvSpPr>
+        <p:spPr>
+          <a:xfrm>
+            <a:off x="4851683" y="1836030"/>
+            <a:ext cx="681709" cy="369332"/>
+          </a:xfrm>
+          <a:prstGeom prst="rect">
+            <a:avLst/>
+          </a:prstGeom>
+          <a:noFill/>
+        </p:spPr>
+        <p:txBody>
+          <a:bodyPr wrap="square" rtlCol="0">
+            <a:spAutoFit/>
+          </a:bodyPr>
+          <a:lstStyle/>
+          <a:p>
+            <a:r>
+              <a:rPr lang="en-US" dirty="0">
+                <a:latin typeface="Arial" panose="020B0604020202020204" pitchFamily="34" charset="0"/>
+                <a:cs typeface="Arial" panose="020B0604020202020204" pitchFamily="34" charset="0"/>
+              </a:rPr>
+              <a:t>no</a:t>
+            </a:r>
+          </a:p>
+        </p:txBody>
+      </p:sp>
+      <p:sp>
+        <p:nvSpPr>
+          <p:cNvPr id="36" name="TextBox 35">
+            <a:extLst>
+              <a:ext uri="{FF2B5EF4-FFF2-40B4-BE49-F238E27FC236}">
+                <a16:creationId xmlns:a16="http://schemas.microsoft.com/office/drawing/2014/main" id="{A4F92877-4203-3B47-921D-7F1FBD34024A}"/>
+              </a:ext>
+            </a:extLst>
+          </p:cNvPr>
+          <p:cNvSpPr txBox="1"/>
+          <p:nvPr/>
+        </p:nvSpPr>
+        <p:spPr>
+          <a:xfrm>
+            <a:off x="5772695" y="2904148"/>
+            <a:ext cx="2328097" cy="369332"/>
+          </a:xfrm>
+          <a:prstGeom prst="rect">
+            <a:avLst/>
+          </a:prstGeom>
+          <a:noFill/>
+        </p:spPr>
+        <p:txBody>
+          <a:bodyPr wrap="square" rtlCol="0">
+            <a:spAutoFit/>
+          </a:bodyPr>
+          <a:lstStyle/>
+          <a:p>
+            <a:r>
+              <a:rPr lang="en-US" dirty="0">
+                <a:latin typeface="Arial" panose="020B0604020202020204" pitchFamily="34" charset="0"/>
+                <a:cs typeface="Arial" panose="020B0604020202020204" pitchFamily="34" charset="0"/>
+              </a:rPr>
+              <a:t>Do this other thing…</a:t>
+            </a:r>
+          </a:p>
+        </p:txBody>
+      </p:sp>
+      <p:sp>
+        <p:nvSpPr>
+          <p:cNvPr id="40" name="Oval 39">
+            <a:extLst>
+              <a:ext uri="{FF2B5EF4-FFF2-40B4-BE49-F238E27FC236}">
+                <a16:creationId xmlns:a16="http://schemas.microsoft.com/office/drawing/2014/main" id="{2A095146-5334-4344-A4C6-5D7D8240A6BF}"/>
+              </a:ext>
+            </a:extLst>
+          </p:cNvPr>
+          <p:cNvSpPr/>
+          <p:nvPr/>
+        </p:nvSpPr>
+        <p:spPr>
+          <a:xfrm>
+            <a:off x="4264572" y="3774112"/>
+            <a:ext cx="478465" cy="478465"/>
+          </a:xfrm>
+          <a:prstGeom prst="ellipse">
+            <a:avLst/>
+          </a:prstGeom>
+          <a:noFill/>
+          <a:ln>
+            <a:solidFill>
+              <a:schemeClr val="tx1"/>
+            </a:solidFill>
+          </a:ln>
+        </p:spPr>
+        <p:style>
+          <a:lnRef idx="2">
+            <a:schemeClr val="accent1">
+              <a:shade val="50000"/>
+            </a:schemeClr>
+          </a:lnRef>
+          <a:fillRef idx="1">
+            <a:schemeClr val="accent1"/>
+          </a:fillRef>
+          <a:effectRef idx="0">
+            <a:schemeClr val="accent1"/>
+          </a:effectRef>
+          <a:fontRef idx="minor">
+            <a:schemeClr val="lt1"/>
+          </a:fontRef>
+        </p:style>
+        <p:txBody>
+          <a:bodyPr rtlCol="0" anchor="ctr"/>
+          <a:lstStyle/>
+          <a:p>
+            <a:pPr algn="ctr"/>
+            <a:endParaRPr lang="en-US" dirty="0"/>
+          </a:p>
+        </p:txBody>
+      </p:sp>
+      <p:cxnSp>
+        <p:nvCxnSpPr>
+          <p:cNvPr id="43" name="Elbow Connector 42">
+            <a:extLst>
+              <a:ext uri="{FF2B5EF4-FFF2-40B4-BE49-F238E27FC236}">
+                <a16:creationId xmlns:a16="http://schemas.microsoft.com/office/drawing/2014/main" id="{D28A4FB6-63CC-0D40-9F0D-8D623D7DD783}"/>
+              </a:ext>
+            </a:extLst>
+          </p:cNvPr>
+          <p:cNvCxnSpPr>
+            <a:cxnSpLocks/>
+            <a:stCxn id="40" idx="2"/>
+            <a:endCxn id="19" idx="4"/>
+          </p:cNvCxnSpPr>
+          <p:nvPr/>
+        </p:nvCxnSpPr>
+        <p:spPr>
+          <a:xfrm rot="10800000">
+            <a:off x="3537716" y="3328047"/>
+            <a:ext cx="726857" cy="685298"/>
+          </a:xfrm>
+          <a:prstGeom prst="bentConnector2">
+            <a:avLst/>
+          </a:prstGeom>
+          <a:ln>
+            <a:solidFill>
+              <a:schemeClr val="tx1"/>
+            </a:solidFill>
+            <a:headEnd type="triangle"/>
+            <a:tailEnd type="none"/>
+          </a:ln>
+        </p:spPr>
+        <p:style>
+          <a:lnRef idx="1">
+            <a:schemeClr val="accent1"/>
+          </a:lnRef>
+          <a:fillRef idx="0">
+            <a:schemeClr val="accent1"/>
+          </a:fillRef>
+          <a:effectRef idx="0">
+            <a:schemeClr val="accent1"/>
+          </a:effectRef>
+          <a:fontRef idx="minor">
+            <a:schemeClr val="tx1"/>
+          </a:fontRef>
+        </p:style>
+      </p:cxnSp>
+      <p:cxnSp>
+        <p:nvCxnSpPr>
+          <p:cNvPr id="46" name="Elbow Connector 45">
+            <a:extLst>
+              <a:ext uri="{FF2B5EF4-FFF2-40B4-BE49-F238E27FC236}">
+                <a16:creationId xmlns:a16="http://schemas.microsoft.com/office/drawing/2014/main" id="{35E1ED2F-A001-2A4F-9803-7F9910217E73}"/>
+              </a:ext>
+            </a:extLst>
+          </p:cNvPr>
+          <p:cNvCxnSpPr>
+            <a:cxnSpLocks/>
+            <a:stCxn id="40" idx="6"/>
+            <a:endCxn id="26" idx="4"/>
+          </p:cNvCxnSpPr>
+          <p:nvPr/>
+        </p:nvCxnSpPr>
+        <p:spPr>
+          <a:xfrm flipV="1">
+            <a:off x="4743037" y="3328047"/>
+            <a:ext cx="680001" cy="685298"/>
+          </a:xfrm>
+          <a:prstGeom prst="bentConnector2">
+            <a:avLst/>
+          </a:prstGeom>
+          <a:ln>
+            <a:solidFill>
+              <a:schemeClr val="tx1"/>
+            </a:solidFill>
+            <a:headEnd type="triangle"/>
+            <a:tailEnd type="none"/>
+          </a:ln>
+        </p:spPr>
+        <p:style>
+          <a:lnRef idx="1">
+            <a:schemeClr val="accent1"/>
+          </a:lnRef>
+          <a:fillRef idx="0">
+            <a:schemeClr val="accent1"/>
+          </a:fillRef>
+          <a:effectRef idx="0">
+            <a:schemeClr val="accent1"/>
+          </a:effectRef>
+          <a:fontRef idx="minor">
+            <a:schemeClr val="tx1"/>
+          </a:fontRef>
+        </p:style>
+      </p:cxnSp>
+    </p:spTree>
+    <p:extLst>
+      <p:ext uri="{BB962C8B-B14F-4D97-AF65-F5344CB8AC3E}">
+        <p14:creationId xmlns:p14="http://schemas.microsoft.com/office/powerpoint/2010/main" val="969158897"/>
       </p:ext>
     </p:extLst>
   </p:cSld>

--- a/docs/images.pptx
+++ b/docs/images.pptx
@@ -10,6 +10,7 @@
     <p:sldId id="259" r:id="rId4"/>
     <p:sldId id="260" r:id="rId5"/>
     <p:sldId id="261" r:id="rId6"/>
+    <p:sldId id="262" r:id="rId7"/>
   </p:sldIdLst>
   <p:sldSz cx="12192000" cy="6858000"/>
   <p:notesSz cx="6858000" cy="9144000"/>
@@ -108,6 +109,11 @@
       </a:defRPr>
     </a:lvl9pPr>
   </p:defaultTextStyle>
+  <p:extLst>
+    <p:ext uri="{EFAFB233-063F-42B5-8137-9DF3F51BA10A}">
+      <p15:sldGuideLst xmlns:p15="http://schemas.microsoft.com/office/powerpoint/2012/main"/>
+    </p:ext>
+  </p:extLst>
 </p:presentation>
 </file>
 
@@ -8075,6 +8081,202 @@
 </p:sld>
 </file>
 
+<file path=ppt/slides/slide6.xml><?xml version="1.0" encoding="utf-8"?>
+<p:sld xmlns:a="http://schemas.openxmlformats.org/drawingml/2006/main" xmlns:r="http://schemas.openxmlformats.org/officeDocument/2006/relationships" xmlns:p="http://schemas.openxmlformats.org/presentationml/2006/main">
+  <p:cSld>
+    <p:spTree>
+      <p:nvGrpSpPr>
+        <p:cNvPr id="1" name=""/>
+        <p:cNvGrpSpPr/>
+        <p:nvPr/>
+      </p:nvGrpSpPr>
+      <p:grpSpPr>
+        <a:xfrm>
+          <a:off x="0" y="0"/>
+          <a:ext cx="0" cy="0"/>
+          <a:chOff x="0" y="0"/>
+          <a:chExt cx="0" cy="0"/>
+        </a:xfrm>
+      </p:grpSpPr>
+      <p:pic>
+        <p:nvPicPr>
+          <p:cNvPr id="5" name="Picture 4">
+            <a:extLst>
+              <a:ext uri="{FF2B5EF4-FFF2-40B4-BE49-F238E27FC236}">
+                <a16:creationId xmlns:a16="http://schemas.microsoft.com/office/drawing/2014/main" id="{0354EE06-E1BB-AB4E-BC6E-56351CC19C76}"/>
+              </a:ext>
+            </a:extLst>
+          </p:cNvPr>
+          <p:cNvPicPr>
+            <a:picLocks noChangeAspect="1"/>
+          </p:cNvPicPr>
+          <p:nvPr/>
+        </p:nvPicPr>
+        <p:blipFill>
+          <a:blip r:embed="rId2"/>
+          <a:stretch>
+            <a:fillRect/>
+          </a:stretch>
+        </p:blipFill>
+        <p:spPr>
+          <a:xfrm>
+            <a:off x="4803484" y="1353023"/>
+            <a:ext cx="5627444" cy="4269095"/>
+          </a:xfrm>
+          <a:prstGeom prst="rect">
+            <a:avLst/>
+          </a:prstGeom>
+        </p:spPr>
+      </p:pic>
+      <p:pic>
+        <p:nvPicPr>
+          <p:cNvPr id="3" name="Picture 2">
+            <a:extLst>
+              <a:ext uri="{FF2B5EF4-FFF2-40B4-BE49-F238E27FC236}">
+                <a16:creationId xmlns:a16="http://schemas.microsoft.com/office/drawing/2014/main" id="{5986AD07-1A29-EB41-ACC9-1E79B4742D1B}"/>
+              </a:ext>
+            </a:extLst>
+          </p:cNvPr>
+          <p:cNvPicPr>
+            <a:picLocks noChangeAspect="1"/>
+          </p:cNvPicPr>
+          <p:nvPr/>
+        </p:nvPicPr>
+        <p:blipFill>
+          <a:blip r:embed="rId3"/>
+          <a:stretch>
+            <a:fillRect/>
+          </a:stretch>
+        </p:blipFill>
+        <p:spPr>
+          <a:xfrm>
+            <a:off x="6949345" y="2872868"/>
+            <a:ext cx="2563978" cy="678963"/>
+          </a:xfrm>
+          <a:prstGeom prst="rect">
+            <a:avLst/>
+          </a:prstGeom>
+        </p:spPr>
+      </p:pic>
+      <p:pic>
+        <p:nvPicPr>
+          <p:cNvPr id="7" name="Picture 6">
+            <a:extLst>
+              <a:ext uri="{FF2B5EF4-FFF2-40B4-BE49-F238E27FC236}">
+                <a16:creationId xmlns:a16="http://schemas.microsoft.com/office/drawing/2014/main" id="{A064FC58-03F5-4346-97E2-D33DD7F5CF15}"/>
+              </a:ext>
+            </a:extLst>
+          </p:cNvPr>
+          <p:cNvPicPr>
+            <a:picLocks noChangeAspect="1"/>
+          </p:cNvPicPr>
+          <p:nvPr/>
+        </p:nvPicPr>
+        <p:blipFill>
+          <a:blip r:embed="rId4"/>
+          <a:stretch>
+            <a:fillRect/>
+          </a:stretch>
+        </p:blipFill>
+        <p:spPr>
+          <a:xfrm rot="5400000">
+            <a:off x="587039" y="539830"/>
+            <a:ext cx="6011081" cy="4931421"/>
+          </a:xfrm>
+          <a:prstGeom prst="rect">
+            <a:avLst/>
+          </a:prstGeom>
+        </p:spPr>
+      </p:pic>
+      <p:sp>
+        <p:nvSpPr>
+          <p:cNvPr id="8" name="TextBox 7">
+            <a:extLst>
+              <a:ext uri="{FF2B5EF4-FFF2-40B4-BE49-F238E27FC236}">
+                <a16:creationId xmlns:a16="http://schemas.microsoft.com/office/drawing/2014/main" id="{919249AC-5837-4746-AA9D-54F0D8CF18F3}"/>
+              </a:ext>
+            </a:extLst>
+          </p:cNvPr>
+          <p:cNvSpPr txBox="1"/>
+          <p:nvPr/>
+        </p:nvSpPr>
+        <p:spPr>
+          <a:xfrm>
+            <a:off x="1930327" y="978758"/>
+            <a:ext cx="3313728" cy="369332"/>
+          </a:xfrm>
+          <a:prstGeom prst="rect">
+            <a:avLst/>
+          </a:prstGeom>
+          <a:noFill/>
+        </p:spPr>
+        <p:txBody>
+          <a:bodyPr wrap="none" rtlCol="0">
+            <a:spAutoFit/>
+          </a:bodyPr>
+          <a:lstStyle/>
+          <a:p>
+            <a:r>
+              <a:rPr lang="en-US" dirty="0">
+                <a:latin typeface="Arial" panose="020B0604020202020204" pitchFamily="34" charset="0"/>
+                <a:cs typeface="Arial" panose="020B0604020202020204" pitchFamily="34" charset="0"/>
+              </a:rPr>
+              <a:t>Fun with programming a turtle!</a:t>
+            </a:r>
+          </a:p>
+        </p:txBody>
+      </p:sp>
+      <p:sp>
+        <p:nvSpPr>
+          <p:cNvPr id="9" name="TextBox 8">
+            <a:extLst>
+              <a:ext uri="{FF2B5EF4-FFF2-40B4-BE49-F238E27FC236}">
+                <a16:creationId xmlns:a16="http://schemas.microsoft.com/office/drawing/2014/main" id="{E3947EEF-A218-3F4A-9A9D-DB00EF2D45A4}"/>
+              </a:ext>
+            </a:extLst>
+          </p:cNvPr>
+          <p:cNvSpPr txBox="1"/>
+          <p:nvPr/>
+        </p:nvSpPr>
+        <p:spPr>
+          <a:xfrm>
+            <a:off x="5869744" y="978758"/>
+            <a:ext cx="3865161" cy="369332"/>
+          </a:xfrm>
+          <a:prstGeom prst="rect">
+            <a:avLst/>
+          </a:prstGeom>
+          <a:noFill/>
+        </p:spPr>
+        <p:txBody>
+          <a:bodyPr wrap="none" rtlCol="0">
+            <a:spAutoFit/>
+          </a:bodyPr>
+          <a:lstStyle/>
+          <a:p>
+            <a:r>
+              <a:rPr lang="en-US" dirty="0">
+                <a:latin typeface="Arial" panose="020B0604020202020204" pitchFamily="34" charset="0"/>
+                <a:cs typeface="Arial" panose="020B0604020202020204" pitchFamily="34" charset="0"/>
+              </a:rPr>
+              <a:t>Fun with modelling animal learning?</a:t>
+            </a:r>
+          </a:p>
+        </p:txBody>
+      </p:sp>
+    </p:spTree>
+    <p:extLst>
+      <p:ext uri="{BB962C8B-B14F-4D97-AF65-F5344CB8AC3E}">
+        <p14:creationId xmlns:p14="http://schemas.microsoft.com/office/powerpoint/2010/main" val="147389231"/>
+      </p:ext>
+    </p:extLst>
+  </p:cSld>
+  <p:clrMapOvr>
+    <a:masterClrMapping/>
+  </p:clrMapOvr>
+</p:sld>
+</file>
+
 <file path=ppt/theme/theme1.xml><?xml version="1.0" encoding="utf-8"?>
 <a:theme xmlns:a="http://schemas.openxmlformats.org/drawingml/2006/main" name="Office Theme">
   <a:themeElements>
